--- a/1-Keynote.pptx
+++ b/1-Keynote.pptx
@@ -11,7 +11,7 @@
     <p:sldMasterId id="2147483758" r:id="rId7"/>
   </p:sldMasterIdLst>
   <p:notesMasterIdLst>
-    <p:notesMasterId r:id="rId33"/>
+    <p:notesMasterId r:id="rId32"/>
   </p:notesMasterIdLst>
   <p:sldIdLst>
     <p:sldId id="257" r:id="rId8"/>
@@ -30,15 +30,14 @@
     <p:sldId id="284" r:id="rId21"/>
     <p:sldId id="285" r:id="rId22"/>
     <p:sldId id="286" r:id="rId23"/>
-    <p:sldId id="290" r:id="rId24"/>
-    <p:sldId id="296" r:id="rId25"/>
-    <p:sldId id="295" r:id="rId26"/>
-    <p:sldId id="291" r:id="rId27"/>
-    <p:sldId id="292" r:id="rId28"/>
-    <p:sldId id="293" r:id="rId29"/>
-    <p:sldId id="294" r:id="rId30"/>
-    <p:sldId id="289" r:id="rId31"/>
-    <p:sldId id="263" r:id="rId32"/>
+    <p:sldId id="296" r:id="rId24"/>
+    <p:sldId id="295" r:id="rId25"/>
+    <p:sldId id="291" r:id="rId26"/>
+    <p:sldId id="292" r:id="rId27"/>
+    <p:sldId id="293" r:id="rId28"/>
+    <p:sldId id="294" r:id="rId29"/>
+    <p:sldId id="289" r:id="rId30"/>
+    <p:sldId id="263" r:id="rId31"/>
   </p:sldIdLst>
   <p:sldSz cx="12192000" cy="6858000"/>
   <p:notesSz cx="6858000" cy="9144000"/>
@@ -227,7 +226,7 @@
           <a:p>
             <a:fld id="{0E990FE3-7537-4D15-A9F5-FDF1805FD5F8}" type="datetimeFigureOut">
               <a:rPr lang="en-US" smtClean="0"/>
-              <a:t>10/11/2013</a:t>
+              <a:t>10/28/2013</a:t>
             </a:fld>
             <a:endParaRPr lang="en-US"/>
           </a:p>
@@ -1400,7 +1399,7 @@
           <a:p>
             <a:fld id="{50A28030-5D59-4E14-AFE9-B93D391AF3AF}" type="datetime1">
               <a:rPr lang="en-US" smtClean="0"/>
-              <a:t>10/11/2013</a:t>
+              <a:t>10/28/2013</a:t>
             </a:fld>
             <a:endParaRPr lang="en-US" dirty="0"/>
           </a:p>
@@ -1424,7 +1423,7 @@
             <a:fld id="{B4008EB6-D09E-4580-8CD6-DDB14511944F}" type="slidenum">
               <a:rPr lang="en-US" smtClean="0"/>
               <a:pPr/>
-              <a:t>18</a:t>
+              <a:t>17</a:t>
             </a:fld>
             <a:endParaRPr lang="en-US" dirty="0"/>
           </a:p>
@@ -1509,7 +1508,7 @@
             <a:fld id="{82AABF77-E2E4-44CA-BA5C-65E132CF08D8}" type="slidenum">
               <a:rPr lang="en-US" smtClean="0"/>
               <a:pPr/>
-              <a:t>23</a:t>
+              <a:t>22</a:t>
             </a:fld>
             <a:endParaRPr lang="en-US" dirty="0"/>
           </a:p>
@@ -1594,7 +1593,7 @@
             <a:fld id="{82AABF77-E2E4-44CA-BA5C-65E132CF08D8}" type="slidenum">
               <a:rPr lang="en-US" smtClean="0"/>
               <a:pPr/>
-              <a:t>24</a:t>
+              <a:t>23</a:t>
             </a:fld>
             <a:endParaRPr lang="en-US" dirty="0"/>
           </a:p>
@@ -11394,13 +11393,13 @@
   <p:clrMapOvr>
     <a:masterClrMapping/>
   </p:clrMapOvr>
-  <mc:AlternateContent xmlns:mc="http://schemas.openxmlformats.org/markup-compatibility/2006">
-    <mc:Choice xmlns:p14="http://schemas.microsoft.com/office/powerpoint/2010/main" Requires="p14">
+  <mc:AlternateContent xmlns:mc="http://schemas.openxmlformats.org/markup-compatibility/2006" xmlns:p14="http://schemas.microsoft.com/office/powerpoint/2010/main">
+    <mc:Choice Requires="p14">
       <p:transition spd="med" p14:dur="700">
         <p:fade/>
       </p:transition>
     </mc:Choice>
-    <mc:Fallback>
+    <mc:Fallback xmlns="">
       <p:transition spd="med">
         <p:fade/>
       </p:transition>
@@ -21708,295 +21707,6 @@
 <file path=ppt/slides/slide17.xml><?xml version="1.0" encoding="utf-8"?>
 <p:sld xmlns:a="http://schemas.openxmlformats.org/drawingml/2006/main" xmlns:r="http://schemas.openxmlformats.org/officeDocument/2006/relationships" xmlns:p="http://schemas.openxmlformats.org/presentationml/2006/main">
   <p:cSld>
-    <p:bg>
-      <p:bgPr>
-        <a:solidFill>
-          <a:srgbClr val="00518E"/>
-        </a:solidFill>
-        <a:effectLst/>
-      </p:bgPr>
-    </p:bg>
-    <p:spTree>
-      <p:nvGrpSpPr>
-        <p:cNvPr id="1" name=""/>
-        <p:cNvGrpSpPr/>
-        <p:nvPr/>
-      </p:nvGrpSpPr>
-      <p:grpSpPr>
-        <a:xfrm>
-          <a:off x="0" y="0"/>
-          <a:ext cx="0" cy="0"/>
-          <a:chOff x="0" y="0"/>
-          <a:chExt cx="0" cy="0"/>
-        </a:xfrm>
-      </p:grpSpPr>
-      <p:sp>
-        <p:nvSpPr>
-          <p:cNvPr id="2" name="Title 1"/>
-          <p:cNvSpPr>
-            <a:spLocks noGrp="1"/>
-          </p:cNvSpPr>
-          <p:nvPr>
-            <p:ph type="title"/>
-          </p:nvPr>
-        </p:nvSpPr>
-        <p:spPr/>
-        <p:txBody>
-          <a:bodyPr/>
-          <a:lstStyle/>
-          <a:p>
-            <a:r>
-              <a:rPr lang="en-US" dirty="0" smtClean="0"/>
-              <a:t>Windows Azure</a:t>
-            </a:r>
-            <a:endParaRPr lang="en-US" dirty="0"/>
-          </a:p>
-        </p:txBody>
-      </p:sp>
-      <p:sp>
-        <p:nvSpPr>
-          <p:cNvPr id="4" name="Slide Number Placeholder 3"/>
-          <p:cNvSpPr>
-            <a:spLocks noGrp="1"/>
-          </p:cNvSpPr>
-          <p:nvPr>
-            <p:ph type="sldNum" sz="quarter" idx="12"/>
-          </p:nvPr>
-        </p:nvSpPr>
-        <p:spPr/>
-        <p:txBody>
-          <a:bodyPr/>
-          <a:lstStyle/>
-          <a:p>
-            <a:fld id="{0A164282-434E-41D4-9582-783D542A7B68}" type="slidenum">
-              <a:rPr lang="en-US" smtClean="0"/>
-              <a:t>17</a:t>
-            </a:fld>
-            <a:endParaRPr lang="en-US"/>
-          </a:p>
-        </p:txBody>
-      </p:sp>
-      <p:sp>
-        <p:nvSpPr>
-          <p:cNvPr id="7" name="TextBox 6"/>
-          <p:cNvSpPr txBox="1"/>
-          <p:nvPr/>
-        </p:nvSpPr>
-        <p:spPr>
-          <a:xfrm>
-            <a:off x="871870" y="1871330"/>
-            <a:ext cx="3059171" cy="646331"/>
-          </a:xfrm>
-          <a:prstGeom prst="rect">
-            <a:avLst/>
-          </a:prstGeom>
-          <a:noFill/>
-        </p:spPr>
-        <p:txBody>
-          <a:bodyPr wrap="none" rtlCol="0">
-            <a:spAutoFit/>
-          </a:bodyPr>
-          <a:lstStyle/>
-          <a:p>
-            <a:r>
-              <a:rPr lang="en-US" sz="3600" dirty="0" smtClean="0">
-                <a:solidFill>
-                  <a:schemeClr val="bg1"/>
-                </a:solidFill>
-              </a:rPr>
-              <a:t>MSDN Credits</a:t>
-            </a:r>
-            <a:endParaRPr lang="en-US" sz="3600" dirty="0">
-              <a:solidFill>
-                <a:schemeClr val="bg1"/>
-              </a:solidFill>
-            </a:endParaRPr>
-          </a:p>
-        </p:txBody>
-      </p:sp>
-      <p:sp>
-        <p:nvSpPr>
-          <p:cNvPr id="8" name="TextBox 7"/>
-          <p:cNvSpPr txBox="1"/>
-          <p:nvPr/>
-        </p:nvSpPr>
-        <p:spPr>
-          <a:xfrm>
-            <a:off x="560798" y="4358498"/>
-            <a:ext cx="3160597" cy="1200329"/>
-          </a:xfrm>
-          <a:prstGeom prst="rect">
-            <a:avLst/>
-          </a:prstGeom>
-          <a:noFill/>
-        </p:spPr>
-        <p:txBody>
-          <a:bodyPr wrap="square" rtlCol="0">
-            <a:spAutoFit/>
-          </a:bodyPr>
-          <a:lstStyle/>
-          <a:p>
-            <a:r>
-              <a:rPr lang="en-US" dirty="0" smtClean="0"/>
-              <a:t>33% Discount on VMS</a:t>
-            </a:r>
-          </a:p>
-          <a:p>
-            <a:r>
-              <a:rPr lang="en-US" dirty="0" smtClean="0"/>
-              <a:t>25% Discount on Cloud Services, HD Insight &amp; Web Sites (Standard Mode)</a:t>
-            </a:r>
-            <a:endParaRPr lang="en-US" dirty="0"/>
-          </a:p>
-        </p:txBody>
-      </p:sp>
-      <p:sp>
-        <p:nvSpPr>
-          <p:cNvPr id="9" name="TextBox 8"/>
-          <p:cNvSpPr txBox="1"/>
-          <p:nvPr/>
-        </p:nvSpPr>
-        <p:spPr>
-          <a:xfrm>
-            <a:off x="531098" y="3028898"/>
-            <a:ext cx="3190297" cy="1107996"/>
-          </a:xfrm>
-          <a:prstGeom prst="rect">
-            <a:avLst/>
-          </a:prstGeom>
-          <a:noFill/>
-        </p:spPr>
-        <p:txBody>
-          <a:bodyPr wrap="none" rtlCol="0">
-            <a:spAutoFit/>
-          </a:bodyPr>
-          <a:lstStyle/>
-          <a:p>
-            <a:r>
-              <a:rPr lang="en-US" sz="6600" dirty="0" smtClean="0"/>
-              <a:t>33% Off</a:t>
-            </a:r>
-            <a:endParaRPr lang="en-US" sz="6600" dirty="0"/>
-          </a:p>
-        </p:txBody>
-      </p:sp>
-      <p:sp>
-        <p:nvSpPr>
-          <p:cNvPr id="10" name="TextBox 9"/>
-          <p:cNvSpPr txBox="1"/>
-          <p:nvPr/>
-        </p:nvSpPr>
-        <p:spPr>
-          <a:xfrm>
-            <a:off x="4505560" y="3006782"/>
-            <a:ext cx="3190297" cy="1107996"/>
-          </a:xfrm>
-          <a:prstGeom prst="rect">
-            <a:avLst/>
-          </a:prstGeom>
-          <a:noFill/>
-        </p:spPr>
-        <p:txBody>
-          <a:bodyPr wrap="none" rtlCol="0">
-            <a:spAutoFit/>
-          </a:bodyPr>
-          <a:lstStyle/>
-          <a:p>
-            <a:r>
-              <a:rPr lang="en-US" sz="6600" dirty="0" smtClean="0"/>
-              <a:t>25% Off</a:t>
-            </a:r>
-            <a:endParaRPr lang="en-US" sz="6600" dirty="0"/>
-          </a:p>
-        </p:txBody>
-      </p:sp>
-      <p:sp>
-        <p:nvSpPr>
-          <p:cNvPr id="11" name="TextBox 10"/>
-          <p:cNvSpPr txBox="1"/>
-          <p:nvPr/>
-        </p:nvSpPr>
-        <p:spPr>
-          <a:xfrm>
-            <a:off x="7082192" y="5671441"/>
-            <a:ext cx="4616648" cy="584775"/>
-          </a:xfrm>
-          <a:prstGeom prst="rect">
-            <a:avLst/>
-          </a:prstGeom>
-          <a:noFill/>
-        </p:spPr>
-        <p:txBody>
-          <a:bodyPr wrap="none" rtlCol="0">
-            <a:spAutoFit/>
-          </a:bodyPr>
-          <a:lstStyle/>
-          <a:p>
-            <a:r>
-              <a:rPr lang="en-US" sz="3200" dirty="0" smtClean="0"/>
-              <a:t>No Credit Card Required</a:t>
-            </a:r>
-            <a:endParaRPr lang="en-US" sz="3200" dirty="0"/>
-          </a:p>
-        </p:txBody>
-      </p:sp>
-      <p:sp>
-        <p:nvSpPr>
-          <p:cNvPr id="12" name="TextBox 11"/>
-          <p:cNvSpPr txBox="1"/>
-          <p:nvPr/>
-        </p:nvSpPr>
-        <p:spPr>
-          <a:xfrm>
-            <a:off x="8284029" y="3897086"/>
-            <a:ext cx="3409267" cy="1107996"/>
-          </a:xfrm>
-          <a:prstGeom prst="rect">
-            <a:avLst/>
-          </a:prstGeom>
-          <a:noFill/>
-        </p:spPr>
-        <p:txBody>
-          <a:bodyPr wrap="none" rtlCol="0">
-            <a:spAutoFit/>
-          </a:bodyPr>
-          <a:lstStyle/>
-          <a:p>
-            <a:r>
-              <a:rPr lang="en-US" sz="6600" dirty="0" err="1" smtClean="0"/>
-              <a:t>Dev</a:t>
-            </a:r>
-            <a:r>
-              <a:rPr lang="en-US" sz="6600" dirty="0" smtClean="0"/>
-              <a:t>-Test</a:t>
-            </a:r>
-            <a:endParaRPr lang="en-US" sz="6600" dirty="0"/>
-          </a:p>
-        </p:txBody>
-      </p:sp>
-    </p:spTree>
-    <p:extLst>
-      <p:ext uri="{BB962C8B-B14F-4D97-AF65-F5344CB8AC3E}">
-        <p14:creationId xmlns:p14="http://schemas.microsoft.com/office/powerpoint/2010/main" val="1396092782"/>
-      </p:ext>
-    </p:extLst>
-  </p:cSld>
-  <p:clrMapOvr>
-    <a:masterClrMapping/>
-  </p:clrMapOvr>
-  <p:timing>
-    <p:tnLst>
-      <p:par>
-        <p:cTn id="1" dur="indefinite" restart="never" nodeType="tmRoot"/>
-      </p:par>
-    </p:tnLst>
-  </p:timing>
-</p:sld>
-</file>
-
-<file path=ppt/slides/slide18.xml><?xml version="1.0" encoding="utf-8"?>
-<p:sld xmlns:a="http://schemas.openxmlformats.org/drawingml/2006/main" xmlns:r="http://schemas.openxmlformats.org/officeDocument/2006/relationships" xmlns:p="http://schemas.openxmlformats.org/presentationml/2006/main" show="0">
-  <p:cSld>
     <p:spTree>
       <p:nvGrpSpPr>
         <p:cNvPr id="1" name=""/>
@@ -22020,9 +21730,9 @@
         <p:grpSpPr>
           <a:xfrm>
             <a:off x="138727" y="263732"/>
-            <a:ext cx="3679529" cy="2609713"/>
+            <a:ext cx="3679529" cy="2941124"/>
             <a:chOff x="8411036" y="3864393"/>
-            <a:chExt cx="3753311" cy="2662043"/>
+            <a:chExt cx="3753311" cy="2663944"/>
           </a:xfrm>
         </p:grpSpPr>
         <p:sp>
@@ -22033,8 +21743,8 @@
           </p:nvSpPr>
           <p:spPr>
             <a:xfrm>
-              <a:off x="8615511" y="5818550"/>
-              <a:ext cx="3497263" cy="707886"/>
+              <a:off x="8615511" y="5818552"/>
+              <a:ext cx="3497263" cy="709785"/>
             </a:xfrm>
             <a:prstGeom prst="rect">
               <a:avLst/>
@@ -22048,39 +21758,36 @@
             <a:lstStyle/>
             <a:p>
               <a:r>
-                <a:rPr lang="en-US" sz="1961" b="1" dirty="0">
+                <a:rPr lang="en-US" sz="1961" b="1" dirty="0" smtClean="0">
                   <a:solidFill>
                     <a:srgbClr val="FFFFFF"/>
                   </a:solidFill>
                   <a:cs typeface="Segoe UI Light" panose="020B0502040204020203" pitchFamily="34" charset="0"/>
                 </a:rPr>
-                <a:t>FORTUNE 500 </a:t>
+                <a:t>DISCOUNT</a:t>
               </a:r>
-              <a:r>
-                <a:rPr lang="en-US" sz="1961" dirty="0">
+              <a:br>
+                <a:rPr lang="en-US" sz="1961" b="1" dirty="0" smtClean="0">
                   <a:solidFill>
                     <a:srgbClr val="FFFFFF"/>
                   </a:solidFill>
                   <a:cs typeface="Segoe UI Light" panose="020B0502040204020203" pitchFamily="34" charset="0"/>
                 </a:rPr>
-                <a:t>COMPANIES</a:t>
+              </a:br>
+              <a:r>
+                <a:rPr lang="en-US" sz="1961" dirty="0" smtClean="0">
+                  <a:solidFill>
+                    <a:srgbClr val="FFFFFF"/>
+                  </a:solidFill>
+                  <a:cs typeface="Segoe UI Light" panose="020B0502040204020203" pitchFamily="34" charset="0"/>
+                </a:rPr>
+                <a:t>VIRTUAL MACHINES</a:t>
               </a:r>
-              <a:endParaRPr lang="en-US" sz="2800" dirty="0">
+              <a:endParaRPr lang="en-US" sz="1961" dirty="0">
                 <a:solidFill>
                   <a:srgbClr val="FFFFFF"/>
                 </a:solidFill>
-                <a:cs typeface="Segoe UI Light" panose="020B0502040204020203" pitchFamily="34" charset="0"/>
               </a:endParaRPr>
-            </a:p>
-            <a:p>
-              <a:r>
-                <a:rPr lang="en-US" sz="1961" dirty="0">
-                  <a:solidFill>
-                    <a:srgbClr val="FFFFFF"/>
-                  </a:solidFill>
-                </a:rPr>
-                <a:t>USING WINDOWS AZURE</a:t>
-              </a:r>
             </a:p>
           </p:txBody>
         </p:sp>
@@ -22112,36 +21819,25 @@
                 <a:buSzPct val="90000"/>
               </a:pPr>
               <a:r>
-                <a:rPr lang="en-US" sz="13528" dirty="0">
+                <a:rPr lang="en-US" sz="13528" dirty="0" smtClean="0">
+                  <a:solidFill>
+                    <a:schemeClr val="bg1"/>
+                  </a:solidFill>
+                  <a:latin typeface="Segoe UI Light" panose="020B0502040204020203" pitchFamily="34" charset="0"/>
+                  <a:cs typeface="Segoe UI Light" panose="020B0502040204020203" pitchFamily="34" charset="0"/>
+                </a:rPr>
+                <a:t>33</a:t>
+              </a:r>
+              <a:r>
+                <a:rPr lang="en-US" sz="13600" dirty="0">
                   <a:solidFill>
                     <a:srgbClr val="11C1FF"/>
                   </a:solidFill>
                   <a:latin typeface="Segoe UI Light" panose="020B0502040204020203" pitchFamily="34" charset="0"/>
                   <a:cs typeface="Segoe UI Light" panose="020B0502040204020203" pitchFamily="34" charset="0"/>
                 </a:rPr>
-                <a:t>&gt;</a:t>
-              </a:r>
-              <a:r>
-                <a:rPr lang="en-US" sz="13528" dirty="0">
-                  <a:solidFill>
-                    <a:schemeClr val="bg1"/>
-                  </a:solidFill>
-                  <a:latin typeface="Segoe UI Light" panose="020B0502040204020203" pitchFamily="34" charset="0"/>
-                  <a:cs typeface="Segoe UI Light" panose="020B0502040204020203" pitchFamily="34" charset="0"/>
-                </a:rPr>
-                <a:t>50</a:t>
-              </a:r>
-              <a:r>
-                <a:rPr lang="en-US" sz="5882" dirty="0">
-                  <a:latin typeface="Segoe UI Light" panose="020B0502040204020203" pitchFamily="34" charset="0"/>
-                  <a:cs typeface="Segoe UI Light" panose="020B0502040204020203" pitchFamily="34" charset="0"/>
-                </a:rPr>
                 <a:t>%</a:t>
               </a:r>
-              <a:endParaRPr lang="en-US" sz="13528" dirty="0">
-                <a:latin typeface="Segoe UI Light" panose="020B0502040204020203" pitchFamily="34" charset="0"/>
-                <a:cs typeface="Segoe UI Light" panose="020B0502040204020203" pitchFamily="34" charset="0"/>
-              </a:endParaRPr>
             </a:p>
           </p:txBody>
         </p:sp>
@@ -22154,68 +21850,12 @@
         </p:nvGrpSpPr>
         <p:grpSpPr>
           <a:xfrm>
-            <a:off x="4419419" y="226804"/>
-            <a:ext cx="3534874" cy="2973485"/>
+            <a:off x="4419419" y="226803"/>
+            <a:ext cx="3534874" cy="2974136"/>
             <a:chOff x="4563187" y="3841057"/>
-            <a:chExt cx="3605756" cy="3033110"/>
+            <a:chExt cx="3605756" cy="2569844"/>
           </a:xfrm>
         </p:grpSpPr>
-        <p:sp>
-          <p:nvSpPr>
-            <p:cNvPr id="12" name="TextBox 11"/>
-            <p:cNvSpPr txBox="1"/>
-            <p:nvPr/>
-          </p:nvSpPr>
-          <p:spPr>
-            <a:xfrm>
-              <a:off x="4608585" y="6350947"/>
-              <a:ext cx="3497263" cy="523220"/>
-            </a:xfrm>
-            <a:prstGeom prst="rect">
-              <a:avLst/>
-            </a:prstGeom>
-            <a:noFill/>
-          </p:spPr>
-          <p:txBody>
-            <a:bodyPr wrap="square" rtlCol="0">
-              <a:spAutoFit/>
-            </a:bodyPr>
-            <a:lstStyle/>
-            <a:p>
-              <a:r>
-                <a:rPr lang="en-US" sz="1372" dirty="0">
-                  <a:solidFill>
-                    <a:srgbClr val="FFFFFF"/>
-                  </a:solidFill>
-                </a:rPr>
-                <a:t>ACTIVE DIRECTORY ACCOUNTS </a:t>
-              </a:r>
-              <a:br>
-                <a:rPr lang="en-US" sz="1372" dirty="0">
-                  <a:solidFill>
-                    <a:srgbClr val="FFFFFF"/>
-                  </a:solidFill>
-                </a:rPr>
-              </a:br>
-              <a:r>
-                <a:rPr lang="en-US" sz="1372" dirty="0">
-                  <a:solidFill>
-                    <a:srgbClr val="FFFFFF"/>
-                  </a:solidFill>
-                </a:rPr>
-                <a:t>WITH </a:t>
-              </a:r>
-              <a:r>
-                <a:rPr lang="en-US" sz="1372" b="1" dirty="0">
-                  <a:solidFill>
-                    <a:srgbClr val="FFFFFF"/>
-                  </a:solidFill>
-                </a:rPr>
-                <a:t>68 MILLION USERS</a:t>
-              </a:r>
-            </a:p>
-          </p:txBody>
-        </p:sp>
         <p:sp>
           <p:nvSpPr>
             <p:cNvPr id="51" name="Rectangle 50"/>
@@ -22244,15 +21884,32 @@
                 <a:buSzPct val="90000"/>
               </a:pPr>
               <a:r>
-                <a:rPr lang="en-US" sz="13528" dirty="0">
+                <a:rPr lang="en-US" sz="13528" dirty="0" smtClean="0">
                   <a:solidFill>
                     <a:schemeClr val="bg1"/>
                   </a:solidFill>
                   <a:latin typeface="Segoe UI Light" panose="020B0502040204020203" pitchFamily="34" charset="0"/>
                   <a:cs typeface="Segoe UI Light" panose="020B0502040204020203" pitchFamily="34" charset="0"/>
                 </a:rPr>
-                <a:t>3.2</a:t>
+                <a:t>25</a:t>
               </a:r>
+              <a:r>
+                <a:rPr lang="en-US" sz="13600" dirty="0">
+                  <a:solidFill>
+                    <a:srgbClr val="11C1FF"/>
+                  </a:solidFill>
+                  <a:latin typeface="Segoe UI Light" panose="020B0502040204020203" pitchFamily="34" charset="0"/>
+                  <a:cs typeface="Segoe UI Light" panose="020B0502040204020203" pitchFamily="34" charset="0"/>
+                </a:rPr>
+                <a:t>%</a:t>
+              </a:r>
+              <a:endParaRPr lang="en-US" sz="13600" dirty="0">
+                <a:solidFill>
+                  <a:srgbClr val="11C1FF"/>
+                </a:solidFill>
+                <a:latin typeface="Segoe UI Light" panose="020B0502040204020203" pitchFamily="34" charset="0"/>
+                <a:cs typeface="Segoe UI Light" panose="020B0502040204020203" pitchFamily="34" charset="0"/>
+              </a:endParaRPr>
             </a:p>
           </p:txBody>
         </p:sp>
@@ -22264,8 +21921,8 @@
           </p:nvSpPr>
           <p:spPr>
             <a:xfrm>
-              <a:off x="4597712" y="5660893"/>
-              <a:ext cx="2507617" cy="677108"/>
+              <a:off x="4597712" y="5587986"/>
+              <a:ext cx="3571231" cy="822915"/>
             </a:xfrm>
             <a:prstGeom prst="rect">
               <a:avLst/>
@@ -22290,7 +21947,7 @@
                   </a:solidFill>
                   <a:cs typeface="Segoe UI Light" panose="020B0502040204020203" pitchFamily="34" charset="0"/>
                 </a:rPr>
-                <a:t>MILLION </a:t>
+                <a:t>DISCOUNT</a:t>
               </a:r>
               <a:br>
                 <a:rPr lang="en-US" sz="1961" b="1" dirty="0">
@@ -22301,126 +21958,34 @@
                 </a:rPr>
               </a:br>
               <a:r>
-                <a:rPr lang="en-US" sz="1961" b="1" dirty="0">
+                <a:rPr lang="en-US" sz="1961" dirty="0" smtClean="0">
                   <a:solidFill>
                     <a:srgbClr val="FFFFFF"/>
                   </a:solidFill>
                   <a:cs typeface="Segoe UI Light" panose="020B0502040204020203" pitchFamily="34" charset="0"/>
                 </a:rPr>
-                <a:t>ORGANIZATIONS </a:t>
-              </a:r>
-              <a:endParaRPr lang="en-US" sz="2800" b="1" dirty="0">
-                <a:solidFill>
-                  <a:srgbClr val="FFFFFF"/>
-                </a:solidFill>
-                <a:cs typeface="Segoe UI Light" panose="020B0502040204020203" pitchFamily="34" charset="0"/>
-              </a:endParaRPr>
-            </a:p>
-          </p:txBody>
-        </p:sp>
-      </p:grpSp>
-      <p:grpSp>
-        <p:nvGrpSpPr>
-          <p:cNvPr id="4" name="Group 3"/>
-          <p:cNvGrpSpPr/>
-          <p:nvPr/>
-        </p:nvGrpSpPr>
-        <p:grpSpPr>
-          <a:xfrm>
-            <a:off x="8343269" y="-17491"/>
-            <a:ext cx="3599748" cy="3222347"/>
-            <a:chOff x="4389046" y="190012"/>
-            <a:chExt cx="3671930" cy="3286962"/>
-          </a:xfrm>
-        </p:grpSpPr>
-        <p:sp>
-          <p:nvSpPr>
-            <p:cNvPr id="25" name="Rectangle 24"/>
-            <p:cNvSpPr/>
-            <p:nvPr/>
-          </p:nvSpPr>
-          <p:spPr>
-            <a:xfrm>
-              <a:off x="4389046" y="190012"/>
-              <a:ext cx="3671930" cy="3001591"/>
-            </a:xfrm>
-            <a:prstGeom prst="rect">
-              <a:avLst/>
-            </a:prstGeom>
-          </p:spPr>
-          <p:txBody>
-            <a:bodyPr wrap="square" anchor="b">
-              <a:spAutoFit/>
-            </a:bodyPr>
-            <a:lstStyle/>
-            <a:p>
-              <a:pPr>
-                <a:lnSpc>
-                  <a:spcPct val="95000"/>
-                </a:lnSpc>
-                <a:buSzPct val="90000"/>
-              </a:pPr>
-              <a:r>
-                <a:rPr lang="en-US" sz="19508" dirty="0">
-                  <a:solidFill>
-                    <a:schemeClr val="bg1"/>
-                  </a:solidFill>
-                  <a:latin typeface="Segoe UI Light" panose="020B0502040204020203" pitchFamily="34" charset="0"/>
-                  <a:cs typeface="Segoe UI Light" panose="020B0502040204020203" pitchFamily="34" charset="0"/>
-                </a:rPr>
-                <a:t>2</a:t>
+                <a:t>RESERVED </a:t>
               </a:r>
               <a:r>
-                <a:rPr lang="en-US" sz="13600" dirty="0">
-                  <a:solidFill>
-                    <a:srgbClr val="11C1FF"/>
-                  </a:solidFill>
-                  <a:latin typeface="Segoe UI Light" panose="020B0502040204020203" pitchFamily="34" charset="0"/>
-                  <a:cs typeface="Segoe UI Light" panose="020B0502040204020203" pitchFamily="34" charset="0"/>
-                </a:rPr>
-                <a:t>x</a:t>
-              </a:r>
-            </a:p>
-          </p:txBody>
-        </p:sp>
-        <p:sp>
-          <p:nvSpPr>
-            <p:cNvPr id="26" name="Rectangle 25"/>
-            <p:cNvSpPr/>
-            <p:nvPr/>
-          </p:nvSpPr>
-          <p:spPr>
-            <a:xfrm>
-              <a:off x="4467080" y="2975298"/>
-              <a:ext cx="3532108" cy="501676"/>
-            </a:xfrm>
-            <a:prstGeom prst="rect">
-              <a:avLst/>
-            </a:prstGeom>
-          </p:spPr>
-          <p:txBody>
-            <a:bodyPr wrap="square" anchor="ctr">
-              <a:spAutoFit/>
-            </a:bodyPr>
-            <a:lstStyle/>
-            <a:p>
-              <a:pPr>
-                <a:lnSpc>
-                  <a:spcPct val="95000"/>
-                </a:lnSpc>
-                <a:buSzPct val="90000"/>
-              </a:pPr>
-              <a:r>
-                <a:rPr lang="en-US" sz="1372" dirty="0">
+                <a:rPr lang="en-US" sz="1961" dirty="0">
                   <a:solidFill>
                     <a:srgbClr val="FFFFFF"/>
                   </a:solidFill>
                   <a:cs typeface="Segoe UI Light" panose="020B0502040204020203" pitchFamily="34" charset="0"/>
                 </a:rPr>
-                <a:t>COMPUTE + STORAGE </a:t>
+                <a:t>WEB </a:t>
+              </a:r>
+              <a:r>
+                <a:rPr lang="en-US" sz="1961" dirty="0" smtClean="0">
+                  <a:solidFill>
+                    <a:srgbClr val="FFFFFF"/>
+                  </a:solidFill>
+                  <a:cs typeface="Segoe UI Light" panose="020B0502040204020203" pitchFamily="34" charset="0"/>
+                </a:rPr>
+                <a:t>SITES</a:t>
               </a:r>
               <a:br>
-                <a:rPr lang="en-US" sz="1372" dirty="0">
+                <a:rPr lang="en-US" sz="1961" dirty="0" smtClean="0">
                   <a:solidFill>
                     <a:srgbClr val="FFFFFF"/>
                   </a:solidFill>
@@ -22428,24 +21993,15 @@
                 </a:rPr>
               </a:br>
               <a:r>
-                <a:rPr lang="en-US" sz="1372" dirty="0">
+                <a:rPr lang="en-US" sz="1961" dirty="0" smtClean="0">
                   <a:solidFill>
                     <a:srgbClr val="FFFFFF"/>
                   </a:solidFill>
                   <a:cs typeface="Segoe UI Light" panose="020B0502040204020203" pitchFamily="34" charset="0"/>
                 </a:rPr>
-                <a:t>EVERY </a:t>
+                <a:t>CLOUD SERVICES, HDINSIGHT</a:t>
               </a:r>
-              <a:r>
-                <a:rPr lang="en-US" sz="1372" b="1" dirty="0">
-                  <a:solidFill>
-                    <a:srgbClr val="FFFFFF"/>
-                  </a:solidFill>
-                  <a:cs typeface="Segoe UI Light" panose="020B0502040204020203" pitchFamily="34" charset="0"/>
-                </a:rPr>
-                <a:t>6 MONTHS</a:t>
-              </a:r>
-              <a:endParaRPr lang="en-US" sz="1961" b="1" dirty="0">
+              <a:endParaRPr lang="en-US" sz="1961" dirty="0">
                 <a:solidFill>
                   <a:srgbClr val="FFFFFF"/>
                 </a:solidFill>
@@ -22562,78 +22118,28 @@
       </p:cxnSp>
       <p:grpSp>
         <p:nvGrpSpPr>
-          <p:cNvPr id="17" name="Group 16"/>
+          <p:cNvPr id="44" name="Group 43"/>
           <p:cNvGrpSpPr/>
           <p:nvPr/>
         </p:nvGrpSpPr>
         <p:grpSpPr>
           <a:xfrm>
-            <a:off x="8304719" y="3671083"/>
-            <a:ext cx="3778034" cy="2942586"/>
-            <a:chOff x="137652" y="3609604"/>
-            <a:chExt cx="3853791" cy="3001591"/>
+            <a:off x="208050" y="3468689"/>
+            <a:ext cx="3679529" cy="2895745"/>
+            <a:chOff x="8411036" y="3977051"/>
+            <a:chExt cx="3753311" cy="2622841"/>
           </a:xfrm>
         </p:grpSpPr>
         <p:sp>
           <p:nvSpPr>
-            <p:cNvPr id="36" name="Rectangle 35"/>
-            <p:cNvSpPr/>
-            <p:nvPr/>
-          </p:nvSpPr>
-          <p:spPr>
-            <a:xfrm>
-              <a:off x="137652" y="3609604"/>
-              <a:ext cx="3853791" cy="3001591"/>
-            </a:xfrm>
-            <a:prstGeom prst="rect">
-              <a:avLst/>
-            </a:prstGeom>
-          </p:spPr>
-          <p:txBody>
-            <a:bodyPr wrap="square" anchor="ctr">
-              <a:spAutoFit/>
-            </a:bodyPr>
-            <a:lstStyle/>
-            <a:p>
-              <a:pPr>
-                <a:lnSpc>
-                  <a:spcPct val="95000"/>
-                </a:lnSpc>
-                <a:buSzPct val="90000"/>
-              </a:pPr>
-              <a:r>
-                <a:rPr lang="en-US" sz="19508" dirty="0">
-                  <a:solidFill>
-                    <a:schemeClr val="bg1"/>
-                  </a:solidFill>
-                  <a:latin typeface="Segoe UI Light" panose="020B0502040204020203" pitchFamily="34" charset="0"/>
-                  <a:cs typeface="Segoe UI Light" panose="020B0502040204020203" pitchFamily="34" charset="0"/>
-                </a:rPr>
-                <a:t>3</a:t>
-              </a:r>
-              <a:r>
-                <a:rPr lang="en-US" sz="13600" dirty="0">
-                  <a:solidFill>
-                    <a:srgbClr val="11C1FF"/>
-                  </a:solidFill>
-                  <a:latin typeface="Segoe UI Light" panose="020B0502040204020203" pitchFamily="34" charset="0"/>
-                  <a:cs typeface="Segoe UI Light" panose="020B0502040204020203" pitchFamily="34" charset="0"/>
-                </a:rPr>
-                <a:t>x</a:t>
-              </a:r>
-            </a:p>
-          </p:txBody>
-        </p:sp>
-        <p:sp>
-          <p:nvSpPr>
-            <p:cNvPr id="11" name="TextBox 10"/>
+            <p:cNvPr id="45" name="TextBox 44"/>
             <p:cNvSpPr txBox="1"/>
             <p:nvPr/>
           </p:nvSpPr>
           <p:spPr>
             <a:xfrm>
-              <a:off x="269764" y="6177069"/>
-              <a:ext cx="3497263" cy="307777"/>
+              <a:off x="8655806" y="5696326"/>
+              <a:ext cx="3497263" cy="903566"/>
             </a:xfrm>
             <a:prstGeom prst="rect">
               <a:avLst/>
@@ -22647,316 +22153,78 @@
             <a:lstStyle/>
             <a:p>
               <a:r>
-                <a:rPr lang="en-US" sz="1372" dirty="0">
+                <a:rPr lang="en-US" sz="1961" b="1" dirty="0" smtClean="0">
                   <a:solidFill>
                     <a:srgbClr val="FFFFFF"/>
                   </a:solidFill>
+                  <a:cs typeface="Segoe UI Light" panose="020B0502040204020203" pitchFamily="34" charset="0"/>
                 </a:rPr>
-                <a:t>GROWTH IN </a:t>
+                <a:t>MONTHLY CREDIT</a:t>
               </a:r>
+            </a:p>
+            <a:p>
               <a:r>
-                <a:rPr lang="en-US" sz="1372" b="1" dirty="0">
+                <a:rPr lang="en-US" sz="1961" dirty="0" smtClean="0">
                   <a:solidFill>
                     <a:srgbClr val="FFFFFF"/>
                   </a:solidFill>
+                  <a:cs typeface="Segoe UI Light" panose="020B0502040204020203" pitchFamily="34" charset="0"/>
                 </a:rPr>
-                <a:t>HYPER-V</a:t>
+                <a:t>VISUAL STUDIO </a:t>
               </a:r>
               <a:r>
-                <a:rPr lang="en-US" sz="1372" dirty="0">
+                <a:rPr lang="en-US" sz="1961" b="1" dirty="0" smtClean="0">
                   <a:solidFill>
                     <a:srgbClr val="FFFFFF"/>
                   </a:solidFill>
+                  <a:cs typeface="Segoe UI Light" panose="020B0502040204020203" pitchFamily="34" charset="0"/>
                 </a:rPr>
-                <a:t> SHARE</a:t>
+                <a:t>ULTIMATE</a:t>
               </a:r>
-            </a:p>
-          </p:txBody>
-        </p:sp>
-      </p:grpSp>
-      <p:grpSp>
-        <p:nvGrpSpPr>
-          <p:cNvPr id="29" name="Group 28"/>
-          <p:cNvGrpSpPr/>
-          <p:nvPr/>
-        </p:nvGrpSpPr>
-        <p:grpSpPr>
-          <a:xfrm>
-            <a:off x="4205222" y="3956067"/>
-            <a:ext cx="3781639" cy="2139212"/>
-            <a:chOff x="4261875" y="1353644"/>
-            <a:chExt cx="3671930" cy="2182108"/>
-          </a:xfrm>
-        </p:grpSpPr>
-        <p:sp>
-          <p:nvSpPr>
-            <p:cNvPr id="33" name="TextBox 32"/>
-            <p:cNvSpPr txBox="1"/>
-            <p:nvPr/>
-          </p:nvSpPr>
-          <p:spPr>
-            <a:xfrm>
-              <a:off x="4413019" y="2917563"/>
-              <a:ext cx="3497263" cy="307777"/>
-            </a:xfrm>
-            <a:prstGeom prst="rect">
-              <a:avLst/>
-            </a:prstGeom>
-            <a:noFill/>
-          </p:spPr>
-          <p:txBody>
-            <a:bodyPr wrap="square" rtlCol="0">
-              <a:spAutoFit/>
-            </a:bodyPr>
-            <a:lstStyle/>
-            <a:p>
               <a:r>
-                <a:rPr lang="en-US" sz="1372" b="1" dirty="0">
+                <a:rPr lang="en-US" sz="1961" dirty="0" smtClean="0">
                   <a:solidFill>
                     <a:srgbClr val="FFFFFF"/>
                   </a:solidFill>
-                </a:rPr>
-                <a:t>STORAGE TRANSACTIONS PER SECOND</a:t>
-              </a:r>
-            </a:p>
-          </p:txBody>
-        </p:sp>
-        <p:sp>
-          <p:nvSpPr>
-            <p:cNvPr id="34" name="Rectangle 33"/>
-            <p:cNvSpPr/>
-            <p:nvPr/>
-          </p:nvSpPr>
-          <p:spPr>
-            <a:xfrm>
-              <a:off x="4261875" y="1353644"/>
-              <a:ext cx="3671930" cy="1773562"/>
-            </a:xfrm>
-            <a:prstGeom prst="rect">
-              <a:avLst/>
-            </a:prstGeom>
-          </p:spPr>
-          <p:txBody>
-            <a:bodyPr wrap="square" anchor="b">
-              <a:spAutoFit/>
-            </a:bodyPr>
-            <a:lstStyle/>
-            <a:p>
-              <a:pPr algn="ctr">
-                <a:lnSpc>
-                  <a:spcPct val="95000"/>
-                </a:lnSpc>
-                <a:buSzPct val="90000"/>
-              </a:pPr>
-              <a:r>
-                <a:rPr lang="en-US" sz="11273" spc="-294" dirty="0">
-                  <a:solidFill>
-                    <a:schemeClr val="bg1"/>
-                  </a:solidFill>
-                  <a:latin typeface="Segoe UI Light" panose="020B0502040204020203" pitchFamily="34" charset="0"/>
                   <a:cs typeface="Segoe UI Light" panose="020B0502040204020203" pitchFamily="34" charset="0"/>
                 </a:rPr>
-                <a:t>900</a:t>
+                <a:t/>
               </a:r>
-              <a:r>
-                <a:rPr lang="en-US" sz="11273" spc="-294" dirty="0">
+              <a:br>
+                <a:rPr lang="en-US" sz="1961" dirty="0" smtClean="0">
                   <a:solidFill>
-                    <a:srgbClr val="11C1FF"/>
+                    <a:srgbClr val="FFFFFF"/>
                   </a:solidFill>
-                  <a:latin typeface="Segoe UI Light" panose="020B0502040204020203" pitchFamily="34" charset="0"/>
                   <a:cs typeface="Segoe UI Light" panose="020B0502040204020203" pitchFamily="34" charset="0"/>
                 </a:rPr>
-                <a:t>k</a:t>
-              </a:r>
+              </a:br>
               <a:r>
-                <a:rPr lang="en-US" sz="3921" dirty="0">
+                <a:rPr lang="en-US" sz="1961" dirty="0" smtClean="0">
                   <a:solidFill>
-                    <a:srgbClr val="11C1FF"/>
+                    <a:srgbClr val="FFFFFF"/>
                   </a:solidFill>
-                  <a:latin typeface="Segoe UI Light" panose="020B0502040204020203" pitchFamily="34" charset="0"/>
                   <a:cs typeface="Segoe UI Light" panose="020B0502040204020203" pitchFamily="34" charset="0"/>
                 </a:rPr>
-                <a:t>/sec</a:t>
+                <a:t>WITH MSDN</a:t>
               </a:r>
-              <a:endParaRPr lang="en-US" sz="9411" dirty="0">
+              <a:endParaRPr lang="en-US" sz="1961" dirty="0">
                 <a:solidFill>
-                  <a:srgbClr val="11C1FF"/>
+                  <a:srgbClr val="FFFFFF"/>
                 </a:solidFill>
-                <a:latin typeface="Segoe UI Light" panose="020B0502040204020203" pitchFamily="34" charset="0"/>
-                <a:cs typeface="Segoe UI Light" panose="020B0502040204020203" pitchFamily="34" charset="0"/>
               </a:endParaRPr>
             </a:p>
           </p:txBody>
         </p:sp>
         <p:sp>
           <p:nvSpPr>
-            <p:cNvPr id="35" name="Rectangle 34"/>
+            <p:cNvPr id="46" name="Rectangle 45"/>
             <p:cNvSpPr/>
             <p:nvPr/>
           </p:nvSpPr>
           <p:spPr>
             <a:xfrm>
-              <a:off x="4413019" y="3238748"/>
-              <a:ext cx="2627706" cy="297004"/>
-            </a:xfrm>
-            <a:prstGeom prst="rect">
-              <a:avLst/>
-            </a:prstGeom>
-          </p:spPr>
-          <p:txBody>
-            <a:bodyPr wrap="square" anchor="ctr">
-              <a:spAutoFit/>
-            </a:bodyPr>
-            <a:lstStyle/>
-            <a:p>
-              <a:pPr>
-                <a:lnSpc>
-                  <a:spcPct val="95000"/>
-                </a:lnSpc>
-                <a:buSzPct val="90000"/>
-              </a:pPr>
-              <a:r>
-                <a:rPr lang="en-US" sz="1372" dirty="0">
-                  <a:solidFill>
-                    <a:srgbClr val="FFFFFF"/>
-                  </a:solidFill>
-                  <a:cs typeface="Segoe UI Light" panose="020B0502040204020203" pitchFamily="34" charset="0"/>
-                </a:rPr>
-                <a:t>(2 </a:t>
-              </a:r>
-              <a:r>
-                <a:rPr lang="en-US" sz="1372" i="1" dirty="0">
-                  <a:solidFill>
-                    <a:srgbClr val="FFFFFF"/>
-                  </a:solidFill>
-                  <a:cs typeface="Segoe UI Light" panose="020B0502040204020203" pitchFamily="34" charset="0"/>
-                </a:rPr>
-                <a:t>TRILLION</a:t>
-              </a:r>
-              <a:r>
-                <a:rPr lang="en-US" sz="1372" dirty="0">
-                  <a:solidFill>
-                    <a:srgbClr val="FFFFFF"/>
-                  </a:solidFill>
-                  <a:cs typeface="Segoe UI Light" panose="020B0502040204020203" pitchFamily="34" charset="0"/>
-                </a:rPr>
-                <a:t>/MONTH)</a:t>
-              </a:r>
-              <a:endParaRPr lang="en-US" sz="1961" dirty="0">
-                <a:solidFill>
-                  <a:srgbClr val="FFFFFF"/>
-                </a:solidFill>
-                <a:cs typeface="Segoe UI Light" panose="020B0502040204020203" pitchFamily="34" charset="0"/>
-              </a:endParaRPr>
-            </a:p>
-          </p:txBody>
-        </p:sp>
-      </p:grpSp>
-      <p:grpSp>
-        <p:nvGrpSpPr>
-          <p:cNvPr id="5" name="Group 4"/>
-          <p:cNvGrpSpPr/>
-          <p:nvPr/>
-        </p:nvGrpSpPr>
-        <p:grpSpPr>
-          <a:xfrm>
-            <a:off x="228133" y="3688555"/>
-            <a:ext cx="3322443" cy="2942586"/>
-            <a:chOff x="232706" y="3762021"/>
-            <a:chExt cx="3389065" cy="3001591"/>
-          </a:xfrm>
-        </p:grpSpPr>
-        <p:sp>
-          <p:nvSpPr>
-            <p:cNvPr id="20" name="Rectangle 19"/>
-            <p:cNvSpPr/>
-            <p:nvPr/>
-          </p:nvSpPr>
-          <p:spPr>
-            <a:xfrm>
-              <a:off x="232706" y="3762021"/>
-              <a:ext cx="1961025" cy="3001591"/>
-            </a:xfrm>
-            <a:prstGeom prst="rect">
-              <a:avLst/>
-            </a:prstGeom>
-          </p:spPr>
-          <p:txBody>
-            <a:bodyPr wrap="square" anchor="b">
-              <a:spAutoFit/>
-            </a:bodyPr>
-            <a:lstStyle/>
-            <a:p>
-              <a:pPr algn="ctr">
-                <a:lnSpc>
-                  <a:spcPct val="95000"/>
-                </a:lnSpc>
-                <a:buSzPct val="90000"/>
-              </a:pPr>
-              <a:r>
-                <a:rPr lang="en-US" sz="19508" spc="-294" dirty="0">
-                  <a:solidFill>
-                    <a:schemeClr val="bg1"/>
-                  </a:solidFill>
-                  <a:latin typeface="Segoe UI Light" panose="020B0502040204020203" pitchFamily="34" charset="0"/>
-                  <a:cs typeface="Segoe UI Light" panose="020B0502040204020203" pitchFamily="34" charset="0"/>
-                </a:rPr>
-                <a:t>8</a:t>
-              </a:r>
-              <a:endParaRPr lang="en-US" sz="9411" spc="-294" dirty="0">
-                <a:solidFill>
-                  <a:schemeClr val="bg1"/>
-                </a:solidFill>
-                <a:latin typeface="Segoe UI Light" panose="020B0502040204020203" pitchFamily="34" charset="0"/>
-                <a:cs typeface="Segoe UI Light" panose="020B0502040204020203" pitchFamily="34" charset="0"/>
-              </a:endParaRPr>
-            </a:p>
-          </p:txBody>
-        </p:sp>
-        <p:sp>
-          <p:nvSpPr>
-            <p:cNvPr id="30" name="TextBox 29"/>
-            <p:cNvSpPr txBox="1"/>
-            <p:nvPr/>
-          </p:nvSpPr>
-          <p:spPr>
-            <a:xfrm>
-              <a:off x="608626" y="6292972"/>
-              <a:ext cx="2313382" cy="369332"/>
-            </a:xfrm>
-            <a:prstGeom prst="rect">
-              <a:avLst/>
-            </a:prstGeom>
-            <a:noFill/>
-          </p:spPr>
-          <p:txBody>
-            <a:bodyPr wrap="square" rtlCol="0">
-              <a:spAutoFit/>
-            </a:bodyPr>
-            <a:lstStyle/>
-            <a:p>
-              <a:pPr algn="ctr"/>
-              <a:r>
-                <a:rPr lang="en-US" sz="1765" dirty="0">
-                  <a:solidFill>
-                    <a:srgbClr val="FFFFFF"/>
-                  </a:solidFill>
-                </a:rPr>
-                <a:t>STORAGE OBJECTS</a:t>
-              </a:r>
-            </a:p>
-          </p:txBody>
-        </p:sp>
-        <p:sp>
-          <p:nvSpPr>
-            <p:cNvPr id="37" name="Rectangle 36"/>
-            <p:cNvSpPr/>
-            <p:nvPr/>
-          </p:nvSpPr>
-          <p:spPr>
-            <a:xfrm rot="16200000">
-              <a:off x="2506137" y="4835778"/>
-              <a:ext cx="1788069" cy="443198"/>
+              <a:off x="8411036" y="3977051"/>
+              <a:ext cx="3753311" cy="1884491"/>
             </a:xfrm>
             <a:prstGeom prst="rect">
               <a:avLst/>
@@ -22975,40 +22243,101 @@
                 <a:buSzPct val="90000"/>
               </a:pPr>
               <a:r>
-                <a:rPr lang="en-US" sz="2353" b="1" dirty="0">
+                <a:rPr lang="en-US" sz="13600" dirty="0" smtClean="0">
                   <a:solidFill>
                     <a:srgbClr val="11C1FF"/>
                   </a:solidFill>
+                  <a:latin typeface="Segoe UI Light" panose="020B0502040204020203" pitchFamily="34" charset="0"/>
                   <a:cs typeface="Segoe UI Light" panose="020B0502040204020203" pitchFamily="34" charset="0"/>
                 </a:rPr>
-                <a:t>TRILLION</a:t>
+                <a:t>$</a:t>
               </a:r>
-              <a:endParaRPr lang="en-US" sz="3137" b="1" dirty="0">
+              <a:r>
+                <a:rPr lang="en-US" sz="13600" dirty="0" smtClean="0">
+                  <a:solidFill>
+                    <a:schemeClr val="bg1"/>
+                  </a:solidFill>
+                  <a:latin typeface="Segoe UI Light" panose="020B0502040204020203" pitchFamily="34" charset="0"/>
+                  <a:cs typeface="Segoe UI Light" panose="020B0502040204020203" pitchFamily="34" charset="0"/>
+                </a:rPr>
+                <a:t>150</a:t>
+              </a:r>
+              <a:endParaRPr lang="en-US" sz="13600" dirty="0">
                 <a:solidFill>
-                  <a:srgbClr val="11C1FF"/>
+                  <a:schemeClr val="bg1"/>
                 </a:solidFill>
+                <a:latin typeface="Segoe UI Light" panose="020B0502040204020203" pitchFamily="34" charset="0"/>
                 <a:cs typeface="Segoe UI Light" panose="020B0502040204020203" pitchFamily="34" charset="0"/>
               </a:endParaRPr>
             </a:p>
           </p:txBody>
         </p:sp>
+      </p:grpSp>
+      <p:grpSp>
+        <p:nvGrpSpPr>
+          <p:cNvPr id="47" name="Group 46"/>
+          <p:cNvGrpSpPr/>
+          <p:nvPr/>
+        </p:nvGrpSpPr>
+        <p:grpSpPr>
+          <a:xfrm>
+            <a:off x="8450655" y="297561"/>
+            <a:ext cx="3679529" cy="2427189"/>
+            <a:chOff x="8411036" y="3977051"/>
+            <a:chExt cx="3753311" cy="2198444"/>
+          </a:xfrm>
+        </p:grpSpPr>
         <p:sp>
           <p:nvSpPr>
-            <p:cNvPr id="38" name="Rectangle 37"/>
+            <p:cNvPr id="48" name="TextBox 47"/>
+            <p:cNvSpPr txBox="1"/>
+            <p:nvPr/>
+          </p:nvSpPr>
+          <p:spPr>
+            <a:xfrm>
+              <a:off x="8615511" y="5818552"/>
+              <a:ext cx="3497263" cy="356943"/>
+            </a:xfrm>
+            <a:prstGeom prst="rect">
+              <a:avLst/>
+            </a:prstGeom>
+            <a:noFill/>
+          </p:spPr>
+          <p:txBody>
+            <a:bodyPr wrap="square" rtlCol="0">
+              <a:spAutoFit/>
+            </a:bodyPr>
+            <a:lstStyle/>
+            <a:p>
+              <a:r>
+                <a:rPr lang="en-US" sz="1961" b="1" dirty="0" smtClean="0">
+                  <a:solidFill>
+                    <a:srgbClr val="FFFFFF"/>
+                  </a:solidFill>
+                  <a:cs typeface="Segoe UI Light" panose="020B0502040204020203" pitchFamily="34" charset="0"/>
+                </a:rPr>
+                <a:t>CREDIT CARD REQUIRED</a:t>
+              </a:r>
+            </a:p>
+          </p:txBody>
+        </p:sp>
+        <p:sp>
+          <p:nvSpPr>
+            <p:cNvPr id="49" name="Rectangle 48"/>
             <p:cNvSpPr/>
             <p:nvPr/>
           </p:nvSpPr>
           <p:spPr>
             <a:xfrm>
-              <a:off x="1675426" y="3762021"/>
-              <a:ext cx="1850094" cy="3001591"/>
+              <a:off x="8411036" y="3977051"/>
+              <a:ext cx="3753311" cy="1884491"/>
             </a:xfrm>
             <a:prstGeom prst="rect">
               <a:avLst/>
             </a:prstGeom>
           </p:spPr>
           <p:txBody>
-            <a:bodyPr wrap="square" anchor="b">
+            <a:bodyPr wrap="square" anchor="ctr">
               <a:spAutoFit/>
             </a:bodyPr>
             <a:lstStyle/>
@@ -23020,16 +22349,16 @@
                 <a:buSzPct val="90000"/>
               </a:pPr>
               <a:r>
-                <a:rPr lang="en-US" sz="19508" spc="-294" dirty="0">
+                <a:rPr lang="en-US" sz="13600" dirty="0" smtClean="0">
                   <a:solidFill>
                     <a:schemeClr val="bg1"/>
                   </a:solidFill>
                   <a:latin typeface="Segoe UI Light" panose="020B0502040204020203" pitchFamily="34" charset="0"/>
                   <a:cs typeface="Segoe UI Light" panose="020B0502040204020203" pitchFamily="34" charset="0"/>
                 </a:rPr>
-                <a:t>5</a:t>
+                <a:t>NO</a:t>
               </a:r>
-              <a:endParaRPr lang="en-US" sz="9411" spc="-294" dirty="0">
+              <a:endParaRPr lang="en-US" sz="13600" dirty="0">
                 <a:solidFill>
                   <a:schemeClr val="bg1"/>
                 </a:solidFill>
@@ -23039,174 +22368,299 @@
             </a:p>
           </p:txBody>
         </p:sp>
+      </p:grpSp>
+      <p:grpSp>
+        <p:nvGrpSpPr>
+          <p:cNvPr id="58" name="Group 57"/>
+          <p:cNvGrpSpPr/>
+          <p:nvPr/>
+        </p:nvGrpSpPr>
+        <p:grpSpPr>
+          <a:xfrm>
+            <a:off x="4229940" y="3429001"/>
+            <a:ext cx="3690585" cy="2935434"/>
+            <a:chOff x="8411036" y="3977051"/>
+            <a:chExt cx="3764589" cy="2658790"/>
+          </a:xfrm>
+        </p:grpSpPr>
         <p:sp>
           <p:nvSpPr>
-            <p:cNvPr id="2" name="Oval 1"/>
-            <p:cNvSpPr/>
+            <p:cNvPr id="59" name="TextBox 58"/>
+            <p:cNvSpPr txBox="1"/>
             <p:nvPr/>
           </p:nvSpPr>
-          <p:spPr bwMode="auto">
+          <p:spPr>
             <a:xfrm>
-              <a:off x="1798826" y="5928878"/>
-              <a:ext cx="217922" cy="217922"/>
+              <a:off x="8678362" y="5732275"/>
+              <a:ext cx="3497263" cy="903566"/>
             </a:xfrm>
-            <a:prstGeom prst="ellipse">
+            <a:prstGeom prst="rect">
               <a:avLst/>
             </a:prstGeom>
-            <a:solidFill>
-              <a:schemeClr val="tx1"/>
-            </a:solidFill>
-            <a:ln>
-              <a:noFill/>
-              <a:headEnd type="none" w="med" len="med"/>
-              <a:tailEnd type="none" w="med" len="med"/>
-            </a:ln>
-            <a:effectLst/>
+            <a:noFill/>
           </p:spPr>
-          <p:style>
-            <a:lnRef idx="1">
-              <a:schemeClr val="accent2"/>
-            </a:lnRef>
-            <a:fillRef idx="3">
-              <a:schemeClr val="accent2"/>
-            </a:fillRef>
-            <a:effectRef idx="2">
-              <a:schemeClr val="accent2"/>
-            </a:effectRef>
-            <a:fontRef idx="minor">
-              <a:schemeClr val="lt1"/>
-            </a:fontRef>
-          </p:style>
           <p:txBody>
-            <a:bodyPr lIns="89642" tIns="89642" rIns="33620" bIns="33620" rtlCol="0" anchor="t" anchorCtr="0"/>
+            <a:bodyPr wrap="square" rtlCol="0">
+              <a:spAutoFit/>
+            </a:bodyPr>
             <a:lstStyle/>
             <a:p>
-              <a:pPr algn="ctr" defTabSz="914038"/>
-              <a:endParaRPr lang="en-US" sz="1568" spc="-100" dirty="0">
-                <a:gradFill>
-                  <a:gsLst>
-                    <a:gs pos="0">
-                      <a:srgbClr val="FFFFFF"/>
-                    </a:gs>
-                    <a:gs pos="100000">
-                      <a:srgbClr val="FFFFFF"/>
-                    </a:gs>
-                  </a:gsLst>
-                  <a:lin ang="5400000" scaled="0"/>
-                </a:gradFill>
-                <a:ea typeface="Segoe UI" pitchFamily="34" charset="0"/>
-                <a:cs typeface="Segoe UI" pitchFamily="34" charset="0"/>
+              <a:r>
+                <a:rPr lang="en-US" sz="1961" b="1" dirty="0" smtClean="0">
+                  <a:solidFill>
+                    <a:srgbClr val="FFFFFF"/>
+                  </a:solidFill>
+                  <a:cs typeface="Segoe UI Light" panose="020B0502040204020203" pitchFamily="34" charset="0"/>
+                </a:rPr>
+                <a:t>MONTHLY CREDIT</a:t>
+              </a:r>
+            </a:p>
+            <a:p>
+              <a:r>
+                <a:rPr lang="en-US" sz="1961" dirty="0" smtClean="0">
+                  <a:solidFill>
+                    <a:srgbClr val="FFFFFF"/>
+                  </a:solidFill>
+                  <a:cs typeface="Segoe UI Light" panose="020B0502040204020203" pitchFamily="34" charset="0"/>
+                </a:rPr>
+                <a:t>VISUAL STUDIO </a:t>
+              </a:r>
+              <a:r>
+                <a:rPr lang="en-US" sz="1961" b="1" dirty="0" smtClean="0">
+                  <a:solidFill>
+                    <a:srgbClr val="FFFFFF"/>
+                  </a:solidFill>
+                  <a:cs typeface="Segoe UI Light" panose="020B0502040204020203" pitchFamily="34" charset="0"/>
+                </a:rPr>
+                <a:t>PREMIUM</a:t>
+              </a:r>
+            </a:p>
+            <a:p>
+              <a:r>
+                <a:rPr lang="en-US" sz="1961" dirty="0" smtClean="0">
+                  <a:solidFill>
+                    <a:srgbClr val="FFFFFF"/>
+                  </a:solidFill>
+                  <a:cs typeface="Segoe UI Light" panose="020B0502040204020203" pitchFamily="34" charset="0"/>
+                </a:rPr>
+                <a:t>WITH MSDN</a:t>
+              </a:r>
+              <a:endParaRPr lang="en-US" sz="1961" dirty="0">
+                <a:solidFill>
+                  <a:srgbClr val="FFFFFF"/>
+                </a:solidFill>
               </a:endParaRPr>
             </a:p>
           </p:txBody>
         </p:sp>
         <p:sp>
           <p:nvSpPr>
-            <p:cNvPr id="40" name="Oval 39"/>
+            <p:cNvPr id="60" name="Rectangle 59"/>
             <p:cNvSpPr/>
             <p:nvPr/>
           </p:nvSpPr>
-          <p:spPr bwMode="auto">
+          <p:spPr>
             <a:xfrm>
-              <a:off x="3282186" y="5928878"/>
-              <a:ext cx="217922" cy="217922"/>
+              <a:off x="8411036" y="3977051"/>
+              <a:ext cx="3753311" cy="1884491"/>
             </a:xfrm>
-            <a:prstGeom prst="ellipse">
+            <a:prstGeom prst="rect">
               <a:avLst/>
             </a:prstGeom>
-            <a:solidFill>
-              <a:srgbClr val="11C1FF"/>
-            </a:solidFill>
-            <a:ln>
-              <a:noFill/>
-              <a:headEnd type="none" w="med" len="med"/>
-              <a:tailEnd type="none" w="med" len="med"/>
-            </a:ln>
-            <a:effectLst/>
           </p:spPr>
-          <p:style>
-            <a:lnRef idx="1">
-              <a:schemeClr val="accent2"/>
-            </a:lnRef>
-            <a:fillRef idx="3">
-              <a:schemeClr val="accent2"/>
-            </a:fillRef>
-            <a:effectRef idx="2">
-              <a:schemeClr val="accent2"/>
-            </a:effectRef>
-            <a:fontRef idx="minor">
-              <a:schemeClr val="lt1"/>
-            </a:fontRef>
-          </p:style>
           <p:txBody>
-            <a:bodyPr lIns="89642" tIns="89642" rIns="33620" bIns="33620" rtlCol="0" anchor="t" anchorCtr="0"/>
+            <a:bodyPr wrap="square" anchor="ctr">
+              <a:spAutoFit/>
+            </a:bodyPr>
             <a:lstStyle/>
             <a:p>
-              <a:pPr algn="ctr" defTabSz="914038"/>
-              <a:endParaRPr lang="en-US" sz="1568" spc="-100" dirty="0">
-                <a:gradFill>
-                  <a:gsLst>
-                    <a:gs pos="0">
-                      <a:srgbClr val="FFFFFF"/>
-                    </a:gs>
-                    <a:gs pos="100000">
-                      <a:srgbClr val="FFFFFF"/>
-                    </a:gs>
-                  </a:gsLst>
-                  <a:lin ang="5400000" scaled="0"/>
-                </a:gradFill>
-                <a:ea typeface="Segoe UI" pitchFamily="34" charset="0"/>
-                <a:cs typeface="Segoe UI" pitchFamily="34" charset="0"/>
+              <a:pPr algn="ctr">
+                <a:lnSpc>
+                  <a:spcPct val="95000"/>
+                </a:lnSpc>
+                <a:buSzPct val="90000"/>
+              </a:pPr>
+              <a:r>
+                <a:rPr lang="en-US" sz="13600" dirty="0" smtClean="0">
+                  <a:solidFill>
+                    <a:srgbClr val="11C1FF"/>
+                  </a:solidFill>
+                  <a:latin typeface="Segoe UI Light" panose="020B0502040204020203" pitchFamily="34" charset="0"/>
+                  <a:cs typeface="Segoe UI Light" panose="020B0502040204020203" pitchFamily="34" charset="0"/>
+                </a:rPr>
+                <a:t>$</a:t>
+              </a:r>
+              <a:r>
+                <a:rPr lang="en-US" sz="13600" dirty="0" smtClean="0">
+                  <a:solidFill>
+                    <a:schemeClr val="bg1"/>
+                  </a:solidFill>
+                  <a:latin typeface="Segoe UI Light" panose="020B0502040204020203" pitchFamily="34" charset="0"/>
+                  <a:cs typeface="Segoe UI Light" panose="020B0502040204020203" pitchFamily="34" charset="0"/>
+                </a:rPr>
+                <a:t>100</a:t>
+              </a:r>
+              <a:endParaRPr lang="en-US" sz="13600" dirty="0">
+                <a:solidFill>
+                  <a:schemeClr val="bg1"/>
+                </a:solidFill>
+                <a:latin typeface="Segoe UI Light" panose="020B0502040204020203" pitchFamily="34" charset="0"/>
+                <a:cs typeface="Segoe UI Light" panose="020B0502040204020203" pitchFamily="34" charset="0"/>
               </a:endParaRPr>
             </a:p>
           </p:txBody>
         </p:sp>
       </p:grpSp>
-      <p:sp>
-        <p:nvSpPr>
-          <p:cNvPr id="3" name="TextBox 2"/>
-          <p:cNvSpPr txBox="1"/>
+      <p:grpSp>
+        <p:nvGrpSpPr>
+          <p:cNvPr id="61" name="Group 60"/>
+          <p:cNvGrpSpPr/>
           <p:nvPr/>
-        </p:nvSpPr>
-        <p:spPr>
+        </p:nvGrpSpPr>
+        <p:grpSpPr>
           <a:xfrm>
-            <a:off x="3668233" y="2925095"/>
-            <a:ext cx="5114260" cy="1200329"/>
+            <a:off x="8262885" y="3393388"/>
+            <a:ext cx="3816737" cy="2971047"/>
+            <a:chOff x="8411035" y="3977051"/>
+            <a:chExt cx="3893271" cy="2691047"/>
           </a:xfrm>
-          <a:prstGeom prst="rect">
-            <a:avLst/>
-          </a:prstGeom>
-          <a:noFill/>
-        </p:spPr>
-        <p:txBody>
-          <a:bodyPr wrap="square" rtlCol="0">
-            <a:spAutoFit/>
-          </a:bodyPr>
-          <a:lstStyle/>
-          <a:p>
-            <a:pPr algn="ctr"/>
-            <a:r>
-              <a:rPr lang="en-US" sz="7200" dirty="0" smtClean="0">
+        </p:grpSpPr>
+        <p:sp>
+          <p:nvSpPr>
+            <p:cNvPr id="62" name="TextBox 61"/>
+            <p:cNvSpPr txBox="1"/>
+            <p:nvPr/>
+          </p:nvSpPr>
+          <p:spPr>
+            <a:xfrm>
+              <a:off x="8411035" y="5764532"/>
+              <a:ext cx="3893271" cy="903566"/>
+            </a:xfrm>
+            <a:prstGeom prst="rect">
+              <a:avLst/>
+            </a:prstGeom>
+            <a:noFill/>
+          </p:spPr>
+          <p:txBody>
+            <a:bodyPr wrap="square" rtlCol="0">
+              <a:spAutoFit/>
+            </a:bodyPr>
+            <a:lstStyle/>
+            <a:p>
+              <a:r>
+                <a:rPr lang="en-US" sz="1961" b="1" dirty="0" smtClean="0">
+                  <a:solidFill>
+                    <a:srgbClr val="FFFFFF"/>
+                  </a:solidFill>
+                  <a:cs typeface="Segoe UI Light" panose="020B0502040204020203" pitchFamily="34" charset="0"/>
+                </a:rPr>
+                <a:t>MONTHLY CREDIT</a:t>
+              </a:r>
+            </a:p>
+            <a:p>
+              <a:r>
+                <a:rPr lang="en-US" sz="1961" dirty="0" smtClean="0">
+                  <a:solidFill>
+                    <a:srgbClr val="FFFFFF"/>
+                  </a:solidFill>
+                  <a:cs typeface="Segoe UI Light" panose="020B0502040204020203" pitchFamily="34" charset="0"/>
+                </a:rPr>
+                <a:t>VISUAL STUDIO </a:t>
+              </a:r>
+              <a:r>
+                <a:rPr lang="en-US" sz="1961" b="1" dirty="0" smtClean="0">
+                  <a:solidFill>
+                    <a:srgbClr val="FFFFFF"/>
+                  </a:solidFill>
+                  <a:cs typeface="Segoe UI Light" panose="020B0502040204020203" pitchFamily="34" charset="0"/>
+                </a:rPr>
+                <a:t>PROFESSIONAL</a:t>
+              </a:r>
+              <a:r>
+                <a:rPr lang="en-US" sz="1961" dirty="0" smtClean="0">
+                  <a:solidFill>
+                    <a:srgbClr val="FFFFFF"/>
+                  </a:solidFill>
+                  <a:cs typeface="Segoe UI Light" panose="020B0502040204020203" pitchFamily="34" charset="0"/>
+                </a:rPr>
+                <a:t> WITH MSDN</a:t>
+              </a:r>
+              <a:endParaRPr lang="en-US" sz="1961" dirty="0">
                 <a:solidFill>
-                  <a:schemeClr val="accent4">
-                    <a:lumMod val="60000"/>
-                    <a:lumOff val="40000"/>
-                  </a:schemeClr>
+                  <a:srgbClr val="FFFFFF"/>
                 </a:solidFill>
-              </a:rPr>
-              <a:t>EXAMPLE</a:t>
-            </a:r>
-            <a:endParaRPr lang="en-US" sz="7200" dirty="0">
-              <a:solidFill>
-                <a:schemeClr val="accent4">
-                  <a:lumMod val="60000"/>
-                  <a:lumOff val="40000"/>
-                </a:schemeClr>
-              </a:solidFill>
-            </a:endParaRPr>
-          </a:p>
-        </p:txBody>
-      </p:sp>
+              </a:endParaRPr>
+            </a:p>
+          </p:txBody>
+        </p:sp>
+        <p:sp>
+          <p:nvSpPr>
+            <p:cNvPr id="63" name="Rectangle 62"/>
+            <p:cNvSpPr/>
+            <p:nvPr/>
+          </p:nvSpPr>
+          <p:spPr>
+            <a:xfrm>
+              <a:off x="8411036" y="3977051"/>
+              <a:ext cx="3753311" cy="1884491"/>
+            </a:xfrm>
+            <a:prstGeom prst="rect">
+              <a:avLst/>
+            </a:prstGeom>
+          </p:spPr>
+          <p:txBody>
+            <a:bodyPr wrap="square" anchor="ctr">
+              <a:spAutoFit/>
+            </a:bodyPr>
+            <a:lstStyle/>
+            <a:p>
+              <a:pPr algn="ctr">
+                <a:lnSpc>
+                  <a:spcPct val="95000"/>
+                </a:lnSpc>
+                <a:buSzPct val="90000"/>
+              </a:pPr>
+              <a:r>
+                <a:rPr lang="en-US" sz="13600" dirty="0" smtClean="0">
+                  <a:solidFill>
+                    <a:srgbClr val="11C1FF"/>
+                  </a:solidFill>
+                  <a:latin typeface="Segoe UI Light" panose="020B0502040204020203" pitchFamily="34" charset="0"/>
+                  <a:cs typeface="Segoe UI Light" panose="020B0502040204020203" pitchFamily="34" charset="0"/>
+                </a:rPr>
+                <a:t>$</a:t>
+              </a:r>
+              <a:r>
+                <a:rPr lang="en-US" sz="13600" dirty="0">
+                  <a:solidFill>
+                    <a:schemeClr val="bg1"/>
+                  </a:solidFill>
+                  <a:latin typeface="Segoe UI Light" panose="020B0502040204020203" pitchFamily="34" charset="0"/>
+                  <a:cs typeface="Segoe UI Light" panose="020B0502040204020203" pitchFamily="34" charset="0"/>
+                </a:rPr>
+                <a:t>5</a:t>
+              </a:r>
+              <a:r>
+                <a:rPr lang="en-US" sz="13600" dirty="0" smtClean="0">
+                  <a:solidFill>
+                    <a:schemeClr val="bg1"/>
+                  </a:solidFill>
+                  <a:latin typeface="Segoe UI Light" panose="020B0502040204020203" pitchFamily="34" charset="0"/>
+                  <a:cs typeface="Segoe UI Light" panose="020B0502040204020203" pitchFamily="34" charset="0"/>
+                </a:rPr>
+                <a:t>0</a:t>
+              </a:r>
+              <a:endParaRPr lang="en-US" sz="13600" dirty="0">
+                <a:solidFill>
+                  <a:schemeClr val="bg1"/>
+                </a:solidFill>
+                <a:latin typeface="Segoe UI Light" panose="020B0502040204020203" pitchFamily="34" charset="0"/>
+                <a:cs typeface="Segoe UI Light" panose="020B0502040204020203" pitchFamily="34" charset="0"/>
+              </a:endParaRPr>
+            </a:p>
+          </p:txBody>
+        </p:sp>
+      </p:grpSp>
     </p:spTree>
     <p:extLst>
       <p:ext uri="{BB962C8B-B14F-4D97-AF65-F5344CB8AC3E}">
@@ -23430,7 +22884,7 @@
                               <p:par>
                                 <p:cTn id="20" presetID="10" presetClass="entr" presetSubtype="0" fill="hold" nodeType="withEffect">
                                   <p:stCondLst>
-                                    <p:cond delay="250"/>
+                                    <p:cond delay="100"/>
                                   </p:stCondLst>
                                   <p:childTnLst>
                                     <p:set>
@@ -23441,7 +22895,7 @@
                                           </p:stCondLst>
                                         </p:cTn>
                                         <p:tgtEl>
-                                          <p:spTgt spid="4"/>
+                                          <p:spTgt spid="44"/>
                                         </p:tgtEl>
                                         <p:attrNameLst>
                                           <p:attrName>style.visibility</p:attrName>
@@ -23455,7 +22909,7 @@
                                       <p:cBhvr>
                                         <p:cTn id="22" dur="250"/>
                                         <p:tgtEl>
-                                          <p:spTgt spid="4"/>
+                                          <p:spTgt spid="44"/>
                                         </p:tgtEl>
                                       </p:cBhvr>
                                     </p:animEffect>
@@ -23465,7 +22919,7 @@
                               <p:par>
                                 <p:cTn id="23" presetID="10" presetClass="entr" presetSubtype="0" fill="hold" nodeType="withEffect">
                                   <p:stCondLst>
-                                    <p:cond delay="300"/>
+                                    <p:cond delay="100"/>
                                   </p:stCondLst>
                                   <p:childTnLst>
                                     <p:set>
@@ -23476,7 +22930,7 @@
                                           </p:stCondLst>
                                         </p:cTn>
                                         <p:tgtEl>
-                                          <p:spTgt spid="17"/>
+                                          <p:spTgt spid="47"/>
                                         </p:tgtEl>
                                         <p:attrNameLst>
                                           <p:attrName>style.visibility</p:attrName>
@@ -23490,7 +22944,7 @@
                                       <p:cBhvr>
                                         <p:cTn id="25" dur="250"/>
                                         <p:tgtEl>
-                                          <p:spTgt spid="17"/>
+                                          <p:spTgt spid="47"/>
                                         </p:tgtEl>
                                       </p:cBhvr>
                                     </p:animEffect>
@@ -23500,7 +22954,7 @@
                               <p:par>
                                 <p:cTn id="26" presetID="10" presetClass="entr" presetSubtype="0" fill="hold" nodeType="withEffect">
                                   <p:stCondLst>
-                                    <p:cond delay="250"/>
+                                    <p:cond delay="100"/>
                                   </p:stCondLst>
                                   <p:childTnLst>
                                     <p:set>
@@ -23511,7 +22965,7 @@
                                           </p:stCondLst>
                                         </p:cTn>
                                         <p:tgtEl>
-                                          <p:spTgt spid="29"/>
+                                          <p:spTgt spid="58"/>
                                         </p:tgtEl>
                                         <p:attrNameLst>
                                           <p:attrName>style.visibility</p:attrName>
@@ -23525,7 +22979,7 @@
                                       <p:cBhvr>
                                         <p:cTn id="28" dur="250"/>
                                         <p:tgtEl>
-                                          <p:spTgt spid="29"/>
+                                          <p:spTgt spid="58"/>
                                         </p:tgtEl>
                                       </p:cBhvr>
                                     </p:animEffect>
@@ -23535,7 +22989,7 @@
                               <p:par>
                                 <p:cTn id="29" presetID="10" presetClass="entr" presetSubtype="0" fill="hold" nodeType="withEffect">
                                   <p:stCondLst>
-                                    <p:cond delay="250"/>
+                                    <p:cond delay="100"/>
                                   </p:stCondLst>
                                   <p:childTnLst>
                                     <p:set>
@@ -23546,7 +23000,7 @@
                                           </p:stCondLst>
                                         </p:cTn>
                                         <p:tgtEl>
-                                          <p:spTgt spid="5"/>
+                                          <p:spTgt spid="61"/>
                                         </p:tgtEl>
                                         <p:attrNameLst>
                                           <p:attrName>style.visibility</p:attrName>
@@ -23560,7 +23014,7 @@
                                       <p:cBhvr>
                                         <p:cTn id="31" dur="250"/>
                                         <p:tgtEl>
-                                          <p:spTgt spid="5"/>
+                                          <p:spTgt spid="61"/>
                                         </p:tgtEl>
                                       </p:cBhvr>
                                     </p:animEffect>
@@ -23592,6 +23046,126 @@
             </p:seq>
           </p:childTnLst>
         </p:cTn>
+      </p:par>
+    </p:tnLst>
+  </p:timing>
+</p:sld>
+</file>
+
+<file path=ppt/slides/slide18.xml><?xml version="1.0" encoding="utf-8"?>
+<p:sld xmlns:a="http://schemas.openxmlformats.org/drawingml/2006/main" xmlns:r="http://schemas.openxmlformats.org/officeDocument/2006/relationships" xmlns:p="http://schemas.openxmlformats.org/presentationml/2006/main">
+  <p:cSld>
+    <p:bg>
+      <p:bgPr>
+        <a:solidFill>
+          <a:srgbClr val="00518E"/>
+        </a:solidFill>
+        <a:effectLst/>
+      </p:bgPr>
+    </p:bg>
+    <p:spTree>
+      <p:nvGrpSpPr>
+        <p:cNvPr id="1" name=""/>
+        <p:cNvGrpSpPr/>
+        <p:nvPr/>
+      </p:nvGrpSpPr>
+      <p:grpSpPr>
+        <a:xfrm>
+          <a:off x="0" y="0"/>
+          <a:ext cx="0" cy="0"/>
+          <a:chOff x="0" y="0"/>
+          <a:chExt cx="0" cy="0"/>
+        </a:xfrm>
+      </p:grpSpPr>
+      <p:sp>
+        <p:nvSpPr>
+          <p:cNvPr id="2" name="Title 1"/>
+          <p:cNvSpPr>
+            <a:spLocks noGrp="1"/>
+          </p:cNvSpPr>
+          <p:nvPr>
+            <p:ph type="title"/>
+          </p:nvPr>
+        </p:nvSpPr>
+        <p:spPr/>
+        <p:txBody>
+          <a:bodyPr/>
+          <a:lstStyle/>
+          <a:p>
+            <a:r>
+              <a:rPr lang="en-US" dirty="0" smtClean="0"/>
+              <a:t>Windows Azure</a:t>
+            </a:r>
+            <a:endParaRPr lang="en-US" dirty="0"/>
+          </a:p>
+        </p:txBody>
+      </p:sp>
+      <p:pic>
+        <p:nvPicPr>
+          <p:cNvPr id="6" name="Content Placeholder 5"/>
+          <p:cNvPicPr>
+            <a:picLocks noGrp="1" noChangeAspect="1"/>
+          </p:cNvPicPr>
+          <p:nvPr>
+            <p:ph idx="1"/>
+          </p:nvPr>
+        </p:nvPicPr>
+        <p:blipFill>
+          <a:blip r:embed="rId2">
+            <a:extLst>
+              <a:ext uri="{28A0092B-C50C-407E-A947-70E740481C1C}">
+                <a14:useLocalDpi xmlns:a14="http://schemas.microsoft.com/office/drawing/2010/main" val="0"/>
+              </a:ext>
+            </a:extLst>
+          </a:blip>
+          <a:stretch>
+            <a:fillRect/>
+          </a:stretch>
+        </p:blipFill>
+        <p:spPr>
+          <a:xfrm>
+            <a:off x="795130" y="1828966"/>
+            <a:ext cx="10772844" cy="3918712"/>
+          </a:xfrm>
+        </p:spPr>
+      </p:pic>
+      <p:sp>
+        <p:nvSpPr>
+          <p:cNvPr id="4" name="Slide Number Placeholder 3"/>
+          <p:cNvSpPr>
+            <a:spLocks noGrp="1"/>
+          </p:cNvSpPr>
+          <p:nvPr>
+            <p:ph type="sldNum" sz="quarter" idx="12"/>
+          </p:nvPr>
+        </p:nvSpPr>
+        <p:spPr/>
+        <p:txBody>
+          <a:bodyPr/>
+          <a:lstStyle/>
+          <a:p>
+            <a:fld id="{0A164282-434E-41D4-9582-783D542A7B68}" type="slidenum">
+              <a:rPr lang="en-US" smtClean="0"/>
+              <a:t>18</a:t>
+            </a:fld>
+            <a:endParaRPr lang="en-US"/>
+          </a:p>
+        </p:txBody>
+      </p:sp>
+    </p:spTree>
+    <p:extLst>
+      <p:ext uri="{BB962C8B-B14F-4D97-AF65-F5344CB8AC3E}">
+        <p14:creationId xmlns:p14="http://schemas.microsoft.com/office/powerpoint/2010/main" val="956239148"/>
+      </p:ext>
+    </p:extLst>
+  </p:cSld>
+  <p:clrMapOvr>
+    <a:masterClrMapping/>
+  </p:clrMapOvr>
+  <p:timing>
+    <p:tnLst>
+      <p:par>
+        <p:cTn id="1" dur="indefinite" restart="never" nodeType="tmRoot"/>
       </p:par>
     </p:tnLst>
   </p:timing>
@@ -23646,15 +23220,36 @@
           </a:p>
         </p:txBody>
       </p:sp>
+      <p:sp>
+        <p:nvSpPr>
+          <p:cNvPr id="4" name="Slide Number Placeholder 3"/>
+          <p:cNvSpPr>
+            <a:spLocks noGrp="1"/>
+          </p:cNvSpPr>
+          <p:nvPr>
+            <p:ph type="sldNum" sz="quarter" idx="12"/>
+          </p:nvPr>
+        </p:nvSpPr>
+        <p:spPr/>
+        <p:txBody>
+          <a:bodyPr/>
+          <a:lstStyle/>
+          <a:p>
+            <a:fld id="{0A164282-434E-41D4-9582-783D542A7B68}" type="slidenum">
+              <a:rPr lang="en-US" smtClean="0"/>
+              <a:t>19</a:t>
+            </a:fld>
+            <a:endParaRPr lang="en-US"/>
+          </a:p>
+        </p:txBody>
+      </p:sp>
       <p:pic>
         <p:nvPicPr>
-          <p:cNvPr id="6" name="Content Placeholder 5"/>
+          <p:cNvPr id="3" name="Picture 2"/>
           <p:cNvPicPr>
-            <a:picLocks noGrp="1" noChangeAspect="1"/>
+            <a:picLocks noChangeAspect="1"/>
           </p:cNvPicPr>
-          <p:nvPr>
-            <p:ph idx="1"/>
-          </p:nvPr>
+          <p:nvPr/>
         </p:nvPicPr>
         <p:blipFill>
           <a:blip r:embed="rId2">
@@ -23670,38 +23265,18 @@
         </p:blipFill>
         <p:spPr>
           <a:xfrm>
-            <a:off x="795130" y="1828966"/>
-            <a:ext cx="10772844" cy="3918712"/>
+            <a:off x="560798" y="2429299"/>
+            <a:ext cx="10591278" cy="2697466"/>
           </a:xfrm>
+          <a:prstGeom prst="rect">
+            <a:avLst/>
+          </a:prstGeom>
         </p:spPr>
       </p:pic>
-      <p:sp>
-        <p:nvSpPr>
-          <p:cNvPr id="4" name="Slide Number Placeholder 3"/>
-          <p:cNvSpPr>
-            <a:spLocks noGrp="1"/>
-          </p:cNvSpPr>
-          <p:nvPr>
-            <p:ph type="sldNum" sz="quarter" idx="12"/>
-          </p:nvPr>
-        </p:nvSpPr>
-        <p:spPr/>
-        <p:txBody>
-          <a:bodyPr/>
-          <a:lstStyle/>
-          <a:p>
-            <a:fld id="{0A164282-434E-41D4-9582-783D542A7B68}" type="slidenum">
-              <a:rPr lang="en-US" smtClean="0"/>
-              <a:t>19</a:t>
-            </a:fld>
-            <a:endParaRPr lang="en-US"/>
-          </a:p>
-        </p:txBody>
-      </p:sp>
     </p:spTree>
     <p:extLst>
       <p:ext uri="{BB962C8B-B14F-4D97-AF65-F5344CB8AC3E}">
-        <p14:creationId xmlns:p14="http://schemas.microsoft.com/office/powerpoint/2010/main" val="956239148"/>
+        <p14:creationId xmlns:p14="http://schemas.microsoft.com/office/powerpoint/2010/main" val="3568708487"/>
       </p:ext>
     </p:extLst>
   </p:cSld>
@@ -24778,7 +24353,7 @@
       </p:sp>
       <p:pic>
         <p:nvPicPr>
-          <p:cNvPr id="3" name="Picture 2"/>
+          <p:cNvPr id="5" name="Picture 4"/>
           <p:cNvPicPr>
             <a:picLocks noChangeAspect="1"/>
           </p:cNvPicPr>
@@ -24798,8 +24373,8 @@
         </p:blipFill>
         <p:spPr>
           <a:xfrm>
-            <a:off x="560798" y="2429299"/>
-            <a:ext cx="10591278" cy="2697466"/>
+            <a:off x="455432" y="2697112"/>
+            <a:ext cx="11185188" cy="2604050"/>
           </a:xfrm>
           <a:prstGeom prst="rect">
             <a:avLst/>
@@ -24809,7 +24384,7 @@
     </p:spTree>
     <p:extLst>
       <p:ext uri="{BB962C8B-B14F-4D97-AF65-F5344CB8AC3E}">
-        <p14:creationId xmlns:p14="http://schemas.microsoft.com/office/powerpoint/2010/main" val="3568708487"/>
+        <p14:creationId xmlns:p14="http://schemas.microsoft.com/office/powerpoint/2010/main" val="2861930090"/>
       </p:ext>
     </p:extLst>
   </p:cSld>
@@ -24919,127 +24494,6 @@
         </p:blipFill>
         <p:spPr>
           <a:xfrm>
-            <a:off x="455432" y="2697112"/>
-            <a:ext cx="11185188" cy="2604050"/>
-          </a:xfrm>
-          <a:prstGeom prst="rect">
-            <a:avLst/>
-          </a:prstGeom>
-        </p:spPr>
-      </p:pic>
-    </p:spTree>
-    <p:extLst>
-      <p:ext uri="{BB962C8B-B14F-4D97-AF65-F5344CB8AC3E}">
-        <p14:creationId xmlns:p14="http://schemas.microsoft.com/office/powerpoint/2010/main" val="2861930090"/>
-      </p:ext>
-    </p:extLst>
-  </p:cSld>
-  <p:clrMapOvr>
-    <a:masterClrMapping/>
-  </p:clrMapOvr>
-  <p:timing>
-    <p:tnLst>
-      <p:par>
-        <p:cTn id="1" dur="indefinite" restart="never" nodeType="tmRoot"/>
-      </p:par>
-    </p:tnLst>
-  </p:timing>
-</p:sld>
-</file>
-
-<file path=ppt/slides/slide22.xml><?xml version="1.0" encoding="utf-8"?>
-<p:sld xmlns:a="http://schemas.openxmlformats.org/drawingml/2006/main" xmlns:r="http://schemas.openxmlformats.org/officeDocument/2006/relationships" xmlns:p="http://schemas.openxmlformats.org/presentationml/2006/main">
-  <p:cSld>
-    <p:bg>
-      <p:bgPr>
-        <a:solidFill>
-          <a:srgbClr val="00518E"/>
-        </a:solidFill>
-        <a:effectLst/>
-      </p:bgPr>
-    </p:bg>
-    <p:spTree>
-      <p:nvGrpSpPr>
-        <p:cNvPr id="1" name=""/>
-        <p:cNvGrpSpPr/>
-        <p:nvPr/>
-      </p:nvGrpSpPr>
-      <p:grpSpPr>
-        <a:xfrm>
-          <a:off x="0" y="0"/>
-          <a:ext cx="0" cy="0"/>
-          <a:chOff x="0" y="0"/>
-          <a:chExt cx="0" cy="0"/>
-        </a:xfrm>
-      </p:grpSpPr>
-      <p:sp>
-        <p:nvSpPr>
-          <p:cNvPr id="2" name="Title 1"/>
-          <p:cNvSpPr>
-            <a:spLocks noGrp="1"/>
-          </p:cNvSpPr>
-          <p:nvPr>
-            <p:ph type="title"/>
-          </p:nvPr>
-        </p:nvSpPr>
-        <p:spPr/>
-        <p:txBody>
-          <a:bodyPr/>
-          <a:lstStyle/>
-          <a:p>
-            <a:r>
-              <a:rPr lang="en-US" dirty="0" smtClean="0"/>
-              <a:t>Windows Azure</a:t>
-            </a:r>
-            <a:endParaRPr lang="en-US" dirty="0"/>
-          </a:p>
-        </p:txBody>
-      </p:sp>
-      <p:sp>
-        <p:nvSpPr>
-          <p:cNvPr id="4" name="Slide Number Placeholder 3"/>
-          <p:cNvSpPr>
-            <a:spLocks noGrp="1"/>
-          </p:cNvSpPr>
-          <p:nvPr>
-            <p:ph type="sldNum" sz="quarter" idx="12"/>
-          </p:nvPr>
-        </p:nvSpPr>
-        <p:spPr/>
-        <p:txBody>
-          <a:bodyPr/>
-          <a:lstStyle/>
-          <a:p>
-            <a:fld id="{0A164282-434E-41D4-9582-783D542A7B68}" type="slidenum">
-              <a:rPr lang="en-US" smtClean="0"/>
-              <a:t>22</a:t>
-            </a:fld>
-            <a:endParaRPr lang="en-US"/>
-          </a:p>
-        </p:txBody>
-      </p:sp>
-      <p:pic>
-        <p:nvPicPr>
-          <p:cNvPr id="5" name="Picture 4"/>
-          <p:cNvPicPr>
-            <a:picLocks noChangeAspect="1"/>
-          </p:cNvPicPr>
-          <p:nvPr/>
-        </p:nvPicPr>
-        <p:blipFill>
-          <a:blip r:embed="rId2">
-            <a:extLst>
-              <a:ext uri="{28A0092B-C50C-407E-A947-70E740481C1C}">
-                <a14:useLocalDpi xmlns:a14="http://schemas.microsoft.com/office/drawing/2010/main" val="0"/>
-              </a:ext>
-            </a:extLst>
-          </a:blip>
-          <a:stretch>
-            <a:fillRect/>
-          </a:stretch>
-        </p:blipFill>
-        <p:spPr>
-          <a:xfrm>
             <a:off x="900774" y="2330998"/>
             <a:ext cx="10739846" cy="2533934"/>
           </a:xfrm>
@@ -25068,7 +24522,7 @@
 </p:sld>
 </file>
 
-<file path=ppt/slides/slide23.xml><?xml version="1.0" encoding="utf-8"?>
+<file path=ppt/slides/slide22.xml><?xml version="1.0" encoding="utf-8"?>
 <p:sld xmlns:a="http://schemas.openxmlformats.org/drawingml/2006/main" xmlns:r="http://schemas.openxmlformats.org/officeDocument/2006/relationships" xmlns:p="http://schemas.openxmlformats.org/presentationml/2006/main">
   <p:cSld>
     <p:spTree>
@@ -25106,7 +24560,7 @@
           <a:graphicData uri="http://schemas.openxmlformats.org/presentationml/2006/ole">
             <mc:AlternateContent xmlns:mc="http://schemas.openxmlformats.org/markup-compatibility/2006">
               <mc:Choice xmlns:v="urn:schemas-microsoft-com:vml" Requires="v">
-                <p:oleObj spid="_x0000_s8198" name="think-cell Slide" r:id="rId5" imgW="270" imgH="270" progId="TCLayout.ActiveDocument.1">
+                <p:oleObj spid="_x0000_s8200" name="think-cell Slide" r:id="rId5" imgW="270" imgH="270" progId="TCLayout.ActiveDocument.1">
                   <p:embed/>
                 </p:oleObj>
               </mc:Choice>
@@ -25697,7 +25151,7 @@
 </p:sld>
 </file>
 
-<file path=ppt/slides/slide24.xml><?xml version="1.0" encoding="utf-8"?>
+<file path=ppt/slides/slide23.xml><?xml version="1.0" encoding="utf-8"?>
 <p:sld xmlns:a="http://schemas.openxmlformats.org/drawingml/2006/main" xmlns:r="http://schemas.openxmlformats.org/officeDocument/2006/relationships" xmlns:p="http://schemas.openxmlformats.org/presentationml/2006/main">
   <p:cSld>
     <p:spTree>
@@ -25735,7 +25189,7 @@
           <a:graphicData uri="http://schemas.openxmlformats.org/presentationml/2006/ole">
             <mc:AlternateContent xmlns:mc="http://schemas.openxmlformats.org/markup-compatibility/2006">
               <mc:Choice xmlns:v="urn:schemas-microsoft-com:vml" Requires="v">
-                <p:oleObj spid="_x0000_s7179" name="think-cell Slide" r:id="rId6" imgW="270" imgH="270" progId="TCLayout.ActiveDocument.1">
+                <p:oleObj spid="_x0000_s7181" name="think-cell Slide" r:id="rId6" imgW="270" imgH="270" progId="TCLayout.ActiveDocument.1">
                   <p:embed/>
                 </p:oleObj>
               </mc:Choice>
@@ -26270,7 +25724,7 @@
 </p:sld>
 </file>
 
-<file path=ppt/slides/slide25.xml><?xml version="1.0" encoding="utf-8"?>
+<file path=ppt/slides/slide24.xml><?xml version="1.0" encoding="utf-8"?>
 <p:sld xmlns:a="http://schemas.openxmlformats.org/drawingml/2006/main" xmlns:r="http://schemas.openxmlformats.org/officeDocument/2006/relationships" xmlns:p="http://schemas.openxmlformats.org/presentationml/2006/main">
   <p:cSld>
     <p:bg>
@@ -26367,7 +25821,7 @@
           <a:graphicData uri="http://schemas.openxmlformats.org/presentationml/2006/ole">
             <mc:AlternateContent xmlns:mc="http://schemas.openxmlformats.org/markup-compatibility/2006">
               <mc:Choice xmlns:v="urn:schemas-microsoft-com:vml" Requires="v">
-                <p:oleObj spid="_x0000_s1034" name="think-cell Slide" r:id="rId5" imgW="270" imgH="270" progId="TCLayout.ActiveDocument.1">
+                <p:oleObj spid="_x0000_s1036" name="think-cell Slide" r:id="rId5" imgW="270" imgH="270" progId="TCLayout.ActiveDocument.1">
                   <p:embed/>
                 </p:oleObj>
               </mc:Choice>
@@ -26996,7 +26450,7 @@
           <a:graphicData uri="http://schemas.openxmlformats.org/presentationml/2006/ole">
             <mc:AlternateContent xmlns:mc="http://schemas.openxmlformats.org/markup-compatibility/2006">
               <mc:Choice xmlns:v="urn:schemas-microsoft-com:vml" Requires="v">
-                <p:oleObj spid="_x0000_s2059" name="think-cell Slide" r:id="rId5" imgW="270" imgH="270" progId="TCLayout.ActiveDocument.1">
+                <p:oleObj spid="_x0000_s2061" name="think-cell Slide" r:id="rId5" imgW="270" imgH="270" progId="TCLayout.ActiveDocument.1">
                   <p:embed/>
                 </p:oleObj>
               </mc:Choice>
@@ -27914,7 +27368,7 @@
           <a:graphicData uri="http://schemas.openxmlformats.org/presentationml/2006/ole">
             <mc:AlternateContent xmlns:mc="http://schemas.openxmlformats.org/markup-compatibility/2006">
               <mc:Choice xmlns:v="urn:schemas-microsoft-com:vml" Requires="v">
-                <p:oleObj spid="_x0000_s3082" name="think-cell Slide" r:id="rId5" imgW="270" imgH="270" progId="TCLayout.ActiveDocument.1">
+                <p:oleObj spid="_x0000_s3084" name="think-cell Slide" r:id="rId5" imgW="270" imgH="270" progId="TCLayout.ActiveDocument.1">
                   <p:embed/>
                 </p:oleObj>
               </mc:Choice>
@@ -29726,7 +29180,7 @@
           <a:graphicData uri="http://schemas.openxmlformats.org/presentationml/2006/ole">
             <mc:AlternateContent xmlns:mc="http://schemas.openxmlformats.org/markup-compatibility/2006">
               <mc:Choice xmlns:v="urn:schemas-microsoft-com:vml" Requires="v">
-                <p:oleObj spid="_x0000_s4107" name="think-cell Slide" r:id="rId5" imgW="270" imgH="270" progId="TCLayout.ActiveDocument.1">
+                <p:oleObj spid="_x0000_s4109" name="think-cell Slide" r:id="rId5" imgW="270" imgH="270" progId="TCLayout.ActiveDocument.1">
                   <p:embed/>
                 </p:oleObj>
               </mc:Choice>

--- a/1-Keynote.pptx
+++ b/1-Keynote.pptx
@@ -226,7 +226,7 @@
           <a:p>
             <a:fld id="{0E990FE3-7537-4D15-A9F5-FDF1805FD5F8}" type="datetimeFigureOut">
               <a:rPr lang="en-US" smtClean="0"/>
-              <a:t>10/28/2013</a:t>
+              <a:t>10/3/2014</a:t>
             </a:fld>
             <a:endParaRPr lang="en-US"/>
           </a:p>
@@ -1323,7 +1323,7 @@
           <a:p>
             <a:pPr defTabSz="932929" eaLnBrk="0" hangingPunct="0"/>
             <a:r>
-              <a:rPr lang="en-US" sz="400" smtClean="0">
+              <a:rPr lang="en-US" sz="400" dirty="0" smtClean="0">
                 <a:gradFill>
                   <a:gsLst>
                     <a:gs pos="0">
@@ -1339,13 +1339,51 @@
                 <a:ea typeface="Segoe UI" pitchFamily="34" charset="0"/>
                 <a:cs typeface="Segoe UI" pitchFamily="34" charset="0"/>
               </a:rPr>
-              <a:t>© 2012 Microsoft Corporation. All rights reserved. Microsoft, Windows, and other product names are or may be registered trademarks and/or trademarks in the U.S. and/or other countries.</a:t>
+              <a:t>© 2012 Microsoft Corporation. All rights reserved. Microsoft, </a:t>
+            </a:r>
+            <a:r>
+              <a:rPr lang="en-US" sz="400" dirty="0" smtClean="0">
+                <a:gradFill>
+                  <a:gsLst>
+                    <a:gs pos="0">
+                      <a:prstClr val="black"/>
+                    </a:gs>
+                    <a:gs pos="100000">
+                      <a:prstClr val="black"/>
+                    </a:gs>
+                  </a:gsLst>
+                  <a:lin ang="5400000" scaled="0"/>
+                </a:gradFill>
+                <a:latin typeface="Segoe UI" pitchFamily="34" charset="0"/>
+                <a:ea typeface="Segoe UI" pitchFamily="34" charset="0"/>
+                <a:cs typeface="Segoe UI" pitchFamily="34" charset="0"/>
+              </a:rPr>
+              <a:t>Microsoft, </a:t>
+            </a:r>
+            <a:r>
+              <a:rPr lang="en-US" sz="400" dirty="0" smtClean="0">
+                <a:gradFill>
+                  <a:gsLst>
+                    <a:gs pos="0">
+                      <a:prstClr val="black"/>
+                    </a:gs>
+                    <a:gs pos="100000">
+                      <a:prstClr val="black"/>
+                    </a:gs>
+                  </a:gsLst>
+                  <a:lin ang="5400000" scaled="0"/>
+                </a:gradFill>
+                <a:latin typeface="Segoe UI" pitchFamily="34" charset="0"/>
+                <a:ea typeface="Segoe UI" pitchFamily="34" charset="0"/>
+                <a:cs typeface="Segoe UI" pitchFamily="34" charset="0"/>
+              </a:rPr>
+              <a:t>and other product names are or may be registered trademarks and/or trademarks in the U.S. and/or other countries.</a:t>
             </a:r>
           </a:p>
           <a:p>
             <a:pPr defTabSz="932929" eaLnBrk="0" hangingPunct="0"/>
             <a:r>
-              <a:rPr lang="en-US" sz="400" smtClean="0">
+              <a:rPr lang="en-US" sz="400" dirty="0" smtClean="0">
                 <a:gradFill>
                   <a:gsLst>
                     <a:gs pos="0">
@@ -1363,22 +1401,6 @@
               </a:rPr>
               <a:t>The information herein is for informational purposes only and represents the current view of Microsoft Corporation as of the date of this presentation.  Because Microsoft must respond to changing market conditions, it should not be interpreted to be a commitment on the part of Microsoft, and Microsoft cannot guarantee the accuracy of any information provided after the date of this presentation.  MICROSOFT MAKES NO WARRANTIES, EXPRESS, IMPLIED OR STATUTORY, AS TO THE INFORMATION IN THIS PRESENTATION.</a:t>
             </a:r>
-            <a:endParaRPr lang="en-US" sz="400" dirty="0" smtClean="0">
-              <a:gradFill>
-                <a:gsLst>
-                  <a:gs pos="0">
-                    <a:prstClr val="black"/>
-                  </a:gs>
-                  <a:gs pos="100000">
-                    <a:prstClr val="black"/>
-                  </a:gs>
-                </a:gsLst>
-                <a:lin ang="5400000" scaled="0"/>
-              </a:gradFill>
-              <a:latin typeface="Segoe UI" pitchFamily="34" charset="0"/>
-              <a:ea typeface="Segoe UI" pitchFamily="34" charset="0"/>
-              <a:cs typeface="Segoe UI" pitchFamily="34" charset="0"/>
-            </a:endParaRPr>
           </a:p>
         </p:txBody>
       </p:sp>
@@ -1399,7 +1421,7 @@
           <a:p>
             <a:fld id="{50A28030-5D59-4E14-AFE9-B93D391AF3AF}" type="datetime1">
               <a:rPr lang="en-US" smtClean="0"/>
-              <a:t>10/28/2013</a:t>
+              <a:t>10/3/2014</a:t>
             </a:fld>
             <a:endParaRPr lang="en-US" dirty="0"/>
           </a:p>
@@ -16839,7 +16861,15 @@
                   <a:srgbClr val="BDCD2C"/>
                 </a:solidFill>
               </a:rPr>
-              <a:t>Windows Azure</a:t>
+              <a:t>Microsoft </a:t>
+            </a:r>
+            <a:r>
+              <a:rPr lang="en-US" dirty="0" smtClean="0">
+                <a:solidFill>
+                  <a:srgbClr val="BDCD2C"/>
+                </a:solidFill>
+              </a:rPr>
+              <a:t>Azure</a:t>
             </a:r>
             <a:endParaRPr lang="en-US" dirty="0">
               <a:solidFill>
@@ -17786,7 +17816,15 @@
                   <a:srgbClr val="617081"/>
                 </a:solidFill>
               </a:rPr>
-              <a:t>Windows Azure</a:t>
+              <a:t>Microsoft </a:t>
+            </a:r>
+            <a:r>
+              <a:rPr lang="en-US" dirty="0" smtClean="0">
+                <a:solidFill>
+                  <a:srgbClr val="617081"/>
+                </a:solidFill>
+              </a:rPr>
+              <a:t>Azure</a:t>
             </a:r>
             <a:endParaRPr lang="en-US" dirty="0">
               <a:solidFill>
@@ -18733,7 +18771,15 @@
                   <a:srgbClr val="0171B0"/>
                 </a:solidFill>
               </a:rPr>
-              <a:t>Windows Azure</a:t>
+              <a:t>Microsoft </a:t>
+            </a:r>
+            <a:r>
+              <a:rPr lang="en-US" dirty="0" smtClean="0">
+                <a:solidFill>
+                  <a:srgbClr val="0171B0"/>
+                </a:solidFill>
+              </a:rPr>
+              <a:t>Azure</a:t>
             </a:r>
             <a:endParaRPr lang="en-US" dirty="0">
               <a:solidFill>
@@ -19681,7 +19727,15 @@
                   <a:srgbClr val="289FD7"/>
                 </a:solidFill>
               </a:rPr>
-              <a:t>Windows Azure</a:t>
+              <a:t>Microsoft </a:t>
+            </a:r>
+            <a:r>
+              <a:rPr lang="en-US" dirty="0" smtClean="0">
+                <a:solidFill>
+                  <a:srgbClr val="289FD7"/>
+                </a:solidFill>
+              </a:rPr>
+              <a:t>Azure</a:t>
             </a:r>
             <a:endParaRPr lang="en-US" dirty="0">
               <a:solidFill>
@@ -20628,7 +20682,15 @@
                   <a:srgbClr val="617081"/>
                 </a:solidFill>
               </a:rPr>
-              <a:t>Windows Azure</a:t>
+              <a:t>Microsoft </a:t>
+            </a:r>
+            <a:r>
+              <a:rPr lang="en-US" dirty="0" smtClean="0">
+                <a:solidFill>
+                  <a:srgbClr val="617081"/>
+                </a:solidFill>
+              </a:rPr>
+              <a:t>Azure</a:t>
             </a:r>
             <a:endParaRPr lang="en-US" dirty="0">
               <a:solidFill>
@@ -21903,13 +21965,6 @@
                 </a:rPr>
                 <a:t>%</a:t>
               </a:r>
-              <a:endParaRPr lang="en-US" sz="13600" dirty="0">
-                <a:solidFill>
-                  <a:srgbClr val="11C1FF"/>
-                </a:solidFill>
-                <a:latin typeface="Segoe UI Light" panose="020B0502040204020203" pitchFamily="34" charset="0"/>
-                <a:cs typeface="Segoe UI Light" panose="020B0502040204020203" pitchFamily="34" charset="0"/>
-              </a:endParaRPr>
             </a:p>
           </p:txBody>
         </p:sp>
@@ -22671,13 +22726,13 @@
   <p:clrMapOvr>
     <a:masterClrMapping/>
   </p:clrMapOvr>
-  <mc:AlternateContent xmlns:mc="http://schemas.openxmlformats.org/markup-compatibility/2006">
-    <mc:Choice xmlns:p14="http://schemas.microsoft.com/office/powerpoint/2010/main" Requires="p14">
+  <mc:AlternateContent xmlns:mc="http://schemas.openxmlformats.org/markup-compatibility/2006" xmlns:p14="http://schemas.microsoft.com/office/powerpoint/2010/main">
+    <mc:Choice Requires="p14">
       <p:transition spd="med" p14:dur="700">
         <p:fade/>
       </p:transition>
     </mc:Choice>
-    <mc:Fallback>
+    <mc:Fallback xmlns="">
       <p:transition spd="med">
         <p:fade/>
       </p:transition>
@@ -23094,7 +23149,11 @@
           <a:p>
             <a:r>
               <a:rPr lang="en-US" dirty="0" smtClean="0"/>
-              <a:t>Windows Azure</a:t>
+              <a:t>Microsoft </a:t>
+            </a:r>
+            <a:r>
+              <a:rPr lang="en-US" dirty="0" smtClean="0"/>
+              <a:t>Azure</a:t>
             </a:r>
             <a:endParaRPr lang="en-US" dirty="0"/>
           </a:p>
@@ -23214,7 +23273,11 @@
           <a:p>
             <a:r>
               <a:rPr lang="en-US" dirty="0" smtClean="0"/>
-              <a:t>Windows Azure</a:t>
+              <a:t>Microsoft </a:t>
+            </a:r>
+            <a:r>
+              <a:rPr lang="en-US" dirty="0" smtClean="0"/>
+              <a:t>Azure</a:t>
             </a:r>
             <a:endParaRPr lang="en-US" dirty="0"/>
           </a:p>
@@ -24322,7 +24385,11 @@
           <a:p>
             <a:r>
               <a:rPr lang="en-US" dirty="0" smtClean="0"/>
-              <a:t>Windows Azure</a:t>
+              <a:t>Microsoft </a:t>
+            </a:r>
+            <a:r>
+              <a:rPr lang="en-US" dirty="0" smtClean="0"/>
+              <a:t>Azure</a:t>
             </a:r>
             <a:endParaRPr lang="en-US" dirty="0"/>
           </a:p>
@@ -24443,7 +24510,11 @@
           <a:p>
             <a:r>
               <a:rPr lang="en-US" dirty="0" smtClean="0"/>
-              <a:t>Windows Azure</a:t>
+              <a:t>Microsoft </a:t>
+            </a:r>
+            <a:r>
+              <a:rPr lang="en-US" dirty="0" smtClean="0"/>
+              <a:t>Azure</a:t>
             </a:r>
             <a:endParaRPr lang="en-US" dirty="0"/>
           </a:p>
@@ -24560,7 +24631,7 @@
           <a:graphicData uri="http://schemas.openxmlformats.org/presentationml/2006/ole">
             <mc:AlternateContent xmlns:mc="http://schemas.openxmlformats.org/markup-compatibility/2006">
               <mc:Choice xmlns:v="urn:schemas-microsoft-com:vml" Requires="v">
-                <p:oleObj spid="_x0000_s8200" name="think-cell Slide" r:id="rId5" imgW="270" imgH="270" progId="TCLayout.ActiveDocument.1">
+                <p:oleObj spid="_x0000_s8202" name="think-cell Slide" r:id="rId5" imgW="270" imgH="270" progId="TCLayout.ActiveDocument.1">
                   <p:embed/>
                 </p:oleObj>
               </mc:Choice>
@@ -25112,7 +25183,11 @@
               </a:pPr>
               <a:r>
                 <a:rPr lang="en-US" sz="4000" kern="1200" baseline="0" dirty="0" smtClean="0"/>
-                <a:t>Windows Azure</a:t>
+                <a:t>Microsoft </a:t>
+              </a:r>
+              <a:r>
+                <a:rPr lang="en-US" sz="4000" kern="1200" baseline="0" dirty="0" smtClean="0"/>
+                <a:t>Azure</a:t>
               </a:r>
               <a:endParaRPr lang="en-US" sz="4000" kern="1200" dirty="0"/>
             </a:p>
@@ -25189,7 +25264,7 @@
           <a:graphicData uri="http://schemas.openxmlformats.org/presentationml/2006/ole">
             <mc:AlternateContent xmlns:mc="http://schemas.openxmlformats.org/markup-compatibility/2006">
               <mc:Choice xmlns:v="urn:schemas-microsoft-com:vml" Requires="v">
-                <p:oleObj spid="_x0000_s7181" name="think-cell Slide" r:id="rId6" imgW="270" imgH="270" progId="TCLayout.ActiveDocument.1">
+                <p:oleObj spid="_x0000_s7183" name="think-cell Slide" r:id="rId6" imgW="270" imgH="270" progId="TCLayout.ActiveDocument.1">
                   <p:embed/>
                 </p:oleObj>
               </mc:Choice>
@@ -25367,7 +25442,7 @@
                   <a:schemeClr val="bg1"/>
                 </a:solidFill>
               </a:rPr>
-              <a:t>http://</a:t>
+              <a:t>http</a:t>
             </a:r>
             <a:r>
               <a:rPr lang="en-US" sz="3200" b="1" dirty="0" smtClean="0">
@@ -25375,7 +25450,7 @@
                   <a:schemeClr val="bg1"/>
                 </a:solidFill>
               </a:rPr>
-              <a:t>windowsazure.com</a:t>
+              <a:t>://azure.microsoft.com</a:t>
             </a:r>
             <a:endParaRPr lang="en-US" sz="3200" b="1" dirty="0" smtClean="0">
               <a:solidFill>
@@ -25821,7 +25896,7 @@
           <a:graphicData uri="http://schemas.openxmlformats.org/presentationml/2006/ole">
             <mc:AlternateContent xmlns:mc="http://schemas.openxmlformats.org/markup-compatibility/2006">
               <mc:Choice xmlns:v="urn:schemas-microsoft-com:vml" Requires="v">
-                <p:oleObj spid="_x0000_s1036" name="think-cell Slide" r:id="rId5" imgW="270" imgH="270" progId="TCLayout.ActiveDocument.1">
+                <p:oleObj spid="_x0000_s1038" name="think-cell Slide" r:id="rId5" imgW="270" imgH="270" progId="TCLayout.ActiveDocument.1">
                   <p:embed/>
                 </p:oleObj>
               </mc:Choice>
@@ -26373,7 +26448,11 @@
               </a:pPr>
               <a:r>
                 <a:rPr lang="en-US" sz="4000" kern="1200" baseline="0" dirty="0" smtClean="0"/>
-                <a:t>Windows Azure</a:t>
+                <a:t>Microsoft </a:t>
+              </a:r>
+              <a:r>
+                <a:rPr lang="en-US" sz="4000" kern="1200" baseline="0" dirty="0" smtClean="0"/>
+                <a:t>Azure</a:t>
               </a:r>
               <a:endParaRPr lang="en-US" sz="4000" kern="1200" dirty="0"/>
             </a:p>
@@ -26450,7 +26529,7 @@
           <a:graphicData uri="http://schemas.openxmlformats.org/presentationml/2006/ole">
             <mc:AlternateContent xmlns:mc="http://schemas.openxmlformats.org/markup-compatibility/2006">
               <mc:Choice xmlns:v="urn:schemas-microsoft-com:vml" Requires="v">
-                <p:oleObj spid="_x0000_s2061" name="think-cell Slide" r:id="rId5" imgW="270" imgH="270" progId="TCLayout.ActiveDocument.1">
+                <p:oleObj spid="_x0000_s2063" name="think-cell Slide" r:id="rId5" imgW="270" imgH="270" progId="TCLayout.ActiveDocument.1">
                   <p:embed/>
                 </p:oleObj>
               </mc:Choice>
@@ -27368,7 +27447,7 @@
           <a:graphicData uri="http://schemas.openxmlformats.org/presentationml/2006/ole">
             <mc:AlternateContent xmlns:mc="http://schemas.openxmlformats.org/markup-compatibility/2006">
               <mc:Choice xmlns:v="urn:schemas-microsoft-com:vml" Requires="v">
-                <p:oleObj spid="_x0000_s3084" name="think-cell Slide" r:id="rId5" imgW="270" imgH="270" progId="TCLayout.ActiveDocument.1">
+                <p:oleObj spid="_x0000_s3086" name="think-cell Slide" r:id="rId5" imgW="270" imgH="270" progId="TCLayout.ActiveDocument.1">
                   <p:embed/>
                 </p:oleObj>
               </mc:Choice>
@@ -29180,7 +29259,7 @@
           <a:graphicData uri="http://schemas.openxmlformats.org/presentationml/2006/ole">
             <mc:AlternateContent xmlns:mc="http://schemas.openxmlformats.org/markup-compatibility/2006">
               <mc:Choice xmlns:v="urn:schemas-microsoft-com:vml" Requires="v">
-                <p:oleObj spid="_x0000_s4109" name="think-cell Slide" r:id="rId5" imgW="270" imgH="270" progId="TCLayout.ActiveDocument.1">
+                <p:oleObj spid="_x0000_s4111" name="think-cell Slide" r:id="rId5" imgW="270" imgH="270" progId="TCLayout.ActiveDocument.1">
                   <p:embed/>
                 </p:oleObj>
               </mc:Choice>
@@ -29275,12 +29354,20 @@
               </a:spcAft>
             </a:pPr>
             <a:r>
+              <a:rPr lang="en-US" sz="2800" dirty="0" smtClean="0">
+                <a:solidFill>
+                  <a:schemeClr val="bg1"/>
+                </a:solidFill>
+              </a:rPr>
+              <a:t>Microsoft </a:t>
+            </a:r>
+            <a:r>
               <a:rPr lang="en-US" sz="2800" dirty="0">
                 <a:solidFill>
                   <a:schemeClr val="bg1"/>
                 </a:solidFill>
               </a:rPr>
-              <a:t>Windows Azure Web Sites (10 free!)</a:t>
+              <a:t>Azure Web Sites (10 free!)</a:t>
             </a:r>
           </a:p>
           <a:p>
@@ -29908,7 +29995,11 @@
           <a:p>
             <a:r>
               <a:rPr lang="en-US" dirty="0" smtClean="0"/>
-              <a:t>Windows Azure signup</a:t>
+              <a:t>Microsoft </a:t>
+            </a:r>
+            <a:r>
+              <a:rPr lang="en-US" dirty="0" smtClean="0"/>
+              <a:t>Azure signup</a:t>
             </a:r>
             <a:endParaRPr lang="en-US" dirty="0"/>
           </a:p>
